--- a/Automatic irrigation system.pptx
+++ b/Automatic irrigation system.pptx
@@ -8,12 +8,13 @@
     <p:sldId id="256" r:id="rId2"/>
     <p:sldId id="257" r:id="rId3"/>
     <p:sldId id="265" r:id="rId4"/>
-    <p:sldId id="258" r:id="rId5"/>
-    <p:sldId id="260" r:id="rId6"/>
-    <p:sldId id="261" r:id="rId7"/>
+    <p:sldId id="261" r:id="rId5"/>
+    <p:sldId id="258" r:id="rId6"/>
+    <p:sldId id="260" r:id="rId7"/>
     <p:sldId id="262" r:id="rId8"/>
     <p:sldId id="263" r:id="rId9"/>
     <p:sldId id="264" r:id="rId10"/>
+    <p:sldId id="266" r:id="rId11"/>
   </p:sldIdLst>
   <p:sldSz cx="12192000" cy="6858000"/>
   <p:notesSz cx="6858000" cy="9144000"/>
@@ -112,7 +113,221 @@
       </a:defRPr>
     </a:lvl9pPr>
   </p:defaultTextStyle>
+  <p:extLst>
+    <p:ext uri="{EFAFB233-063F-42B5-8137-9DF3F51BA10A}">
+      <p15:sldGuideLst xmlns:p15="http://schemas.microsoft.com/office/powerpoint/2012/main"/>
+    </p:ext>
+  </p:extLst>
 </p:presentation>
+</file>
+
+<file path=ppt/revisionInfo.xml><?xml version="1.0" encoding="utf-8"?>
+<p1510:revInfo xmlns:a="http://schemas.openxmlformats.org/drawingml/2006/main" xmlns:r="http://schemas.openxmlformats.org/officeDocument/2006/relationships" xmlns:p1510="http://schemas.microsoft.com/office/powerpoint/2015/10/main">
+  <p1510:revLst>
+    <p1510:client id="{70D66E5F-9B33-4EEB-9DC3-856794908AE2}" v="2" dt="2023-05-11T13:13:41.198"/>
+  </p1510:revLst>
+</p1510:revInfo>
+</file>
+
+<file path=ppt/changesInfos/changesInfo1.xml><?xml version="1.0" encoding="utf-8"?>
+<pc:chgInfo xmlns:a="http://schemas.openxmlformats.org/drawingml/2006/main" xmlns:r="http://schemas.openxmlformats.org/officeDocument/2006/relationships" xmlns:ac="http://schemas.microsoft.com/office/drawing/2013/main/command" xmlns:pc="http://schemas.microsoft.com/office/powerpoint/2013/main/command">
+  <pc:docChgLst>
+    <pc:chgData name="Djemal Kichikov" userId="2df4d88461675f5c" providerId="LiveId" clId="{70D66E5F-9B33-4EEB-9DC3-856794908AE2}"/>
+    <pc:docChg chg="custSel modSld">
+      <pc:chgData name="Djemal Kichikov" userId="2df4d88461675f5c" providerId="LiveId" clId="{70D66E5F-9B33-4EEB-9DC3-856794908AE2}" dt="2023-05-11T13:13:51.041" v="142" actId="14100"/>
+      <pc:docMkLst>
+        <pc:docMk/>
+      </pc:docMkLst>
+      <pc:sldChg chg="addSp delSp modSp mod">
+        <pc:chgData name="Djemal Kichikov" userId="2df4d88461675f5c" providerId="LiveId" clId="{70D66E5F-9B33-4EEB-9DC3-856794908AE2}" dt="2023-05-11T12:56:31.615" v="59" actId="1076"/>
+        <pc:sldMkLst>
+          <pc:docMk/>
+          <pc:sldMk cId="499153459" sldId="256"/>
+        </pc:sldMkLst>
+        <pc:spChg chg="mod">
+          <ac:chgData name="Djemal Kichikov" userId="2df4d88461675f5c" providerId="LiveId" clId="{70D66E5F-9B33-4EEB-9DC3-856794908AE2}" dt="2023-05-11T12:56:13.985" v="56" actId="26606"/>
+          <ac:spMkLst>
+            <pc:docMk/>
+            <pc:sldMk cId="499153459" sldId="256"/>
+            <ac:spMk id="2" creationId="{A0F97D0E-B004-A23D-F65D-FAC3CA6AD4AB}"/>
+          </ac:spMkLst>
+        </pc:spChg>
+        <pc:spChg chg="mod">
+          <ac:chgData name="Djemal Kichikov" userId="2df4d88461675f5c" providerId="LiveId" clId="{70D66E5F-9B33-4EEB-9DC3-856794908AE2}" dt="2023-05-11T12:56:13.985" v="56" actId="26606"/>
+          <ac:spMkLst>
+            <pc:docMk/>
+            <pc:sldMk cId="499153459" sldId="256"/>
+            <ac:spMk id="3" creationId="{94BF7AD9-52C5-8D3A-B9A1-522C6F45E726}"/>
+          </ac:spMkLst>
+        </pc:spChg>
+        <pc:spChg chg="add del mod">
+          <ac:chgData name="Djemal Kichikov" userId="2df4d88461675f5c" providerId="LiveId" clId="{70D66E5F-9B33-4EEB-9DC3-856794908AE2}" dt="2023-05-11T12:55:32.885" v="35" actId="478"/>
+          <ac:spMkLst>
+            <pc:docMk/>
+            <pc:sldMk cId="499153459" sldId="256"/>
+            <ac:spMk id="4" creationId="{52783E48-6256-E46F-86A9-198A3FBA983E}"/>
+          </ac:spMkLst>
+        </pc:spChg>
+        <pc:spChg chg="add mod">
+          <ac:chgData name="Djemal Kichikov" userId="2df4d88461675f5c" providerId="LiveId" clId="{70D66E5F-9B33-4EEB-9DC3-856794908AE2}" dt="2023-05-11T12:56:31.615" v="59" actId="1076"/>
+          <ac:spMkLst>
+            <pc:docMk/>
+            <pc:sldMk cId="499153459" sldId="256"/>
+            <ac:spMk id="5" creationId="{01204D55-5E70-799F-EDDB-043559955642}"/>
+          </ac:spMkLst>
+        </pc:spChg>
+        <pc:spChg chg="del">
+          <ac:chgData name="Djemal Kichikov" userId="2df4d88461675f5c" providerId="LiveId" clId="{70D66E5F-9B33-4EEB-9DC3-856794908AE2}" dt="2023-05-11T12:56:13.985" v="56" actId="26606"/>
+          <ac:spMkLst>
+            <pc:docMk/>
+            <pc:sldMk cId="499153459" sldId="256"/>
+            <ac:spMk id="19" creationId="{7A18C9FB-EC4C-4DAE-8F7D-C6E5AF607958}"/>
+          </ac:spMkLst>
+        </pc:spChg>
+        <pc:spChg chg="del">
+          <ac:chgData name="Djemal Kichikov" userId="2df4d88461675f5c" providerId="LiveId" clId="{70D66E5F-9B33-4EEB-9DC3-856794908AE2}" dt="2023-05-11T12:56:13.985" v="56" actId="26606"/>
+          <ac:spMkLst>
+            <pc:docMk/>
+            <pc:sldMk cId="499153459" sldId="256"/>
+            <ac:spMk id="21" creationId="{4EB7CBBE-178B-4DB3-AD92-DED458BAE7CE}"/>
+          </ac:spMkLst>
+        </pc:spChg>
+        <pc:spChg chg="add">
+          <ac:chgData name="Djemal Kichikov" userId="2df4d88461675f5c" providerId="LiveId" clId="{70D66E5F-9B33-4EEB-9DC3-856794908AE2}" dt="2023-05-11T12:56:13.985" v="56" actId="26606"/>
+          <ac:spMkLst>
+            <pc:docMk/>
+            <pc:sldMk cId="499153459" sldId="256"/>
+            <ac:spMk id="26" creationId="{7A18C9FB-EC4C-4DAE-8F7D-C6E5AF607958}"/>
+          </ac:spMkLst>
+        </pc:spChg>
+        <pc:spChg chg="add">
+          <ac:chgData name="Djemal Kichikov" userId="2df4d88461675f5c" providerId="LiveId" clId="{70D66E5F-9B33-4EEB-9DC3-856794908AE2}" dt="2023-05-11T12:56:13.985" v="56" actId="26606"/>
+          <ac:spMkLst>
+            <pc:docMk/>
+            <pc:sldMk cId="499153459" sldId="256"/>
+            <ac:spMk id="28" creationId="{F47DB6CD-8E9E-4643-B3B6-01BD80429B3C}"/>
+          </ac:spMkLst>
+        </pc:spChg>
+        <pc:picChg chg="mod">
+          <ac:chgData name="Djemal Kichikov" userId="2df4d88461675f5c" providerId="LiveId" clId="{70D66E5F-9B33-4EEB-9DC3-856794908AE2}" dt="2023-05-11T12:56:13.985" v="56" actId="26606"/>
+          <ac:picMkLst>
+            <pc:docMk/>
+            <pc:sldMk cId="499153459" sldId="256"/>
+            <ac:picMk id="20" creationId="{487981DE-C831-B21B-3244-6DD2E72741D8}"/>
+          </ac:picMkLst>
+        </pc:picChg>
+      </pc:sldChg>
+      <pc:sldChg chg="modSp mod">
+        <pc:chgData name="Djemal Kichikov" userId="2df4d88461675f5c" providerId="LiveId" clId="{70D66E5F-9B33-4EEB-9DC3-856794908AE2}" dt="2023-05-11T13:12:19.415" v="93" actId="14100"/>
+        <pc:sldMkLst>
+          <pc:docMk/>
+          <pc:sldMk cId="4288194515" sldId="258"/>
+        </pc:sldMkLst>
+        <pc:spChg chg="mod">
+          <ac:chgData name="Djemal Kichikov" userId="2df4d88461675f5c" providerId="LiveId" clId="{70D66E5F-9B33-4EEB-9DC3-856794908AE2}" dt="2023-05-11T13:12:04.782" v="88" actId="1076"/>
+          <ac:spMkLst>
+            <pc:docMk/>
+            <pc:sldMk cId="4288194515" sldId="258"/>
+            <ac:spMk id="2" creationId="{DB91892D-F4D2-C172-CE9D-1A75BBBF1879}"/>
+          </ac:spMkLst>
+        </pc:spChg>
+        <pc:spChg chg="mod">
+          <ac:chgData name="Djemal Kichikov" userId="2df4d88461675f5c" providerId="LiveId" clId="{70D66E5F-9B33-4EEB-9DC3-856794908AE2}" dt="2023-05-11T13:12:14.481" v="91" actId="14100"/>
+          <ac:spMkLst>
+            <pc:docMk/>
+            <pc:sldMk cId="4288194515" sldId="258"/>
+            <ac:spMk id="5" creationId="{2C47E255-5982-0CBB-1CAD-BC7214542969}"/>
+          </ac:spMkLst>
+        </pc:spChg>
+        <pc:picChg chg="mod">
+          <ac:chgData name="Djemal Kichikov" userId="2df4d88461675f5c" providerId="LiveId" clId="{70D66E5F-9B33-4EEB-9DC3-856794908AE2}" dt="2023-05-11T13:12:19.415" v="93" actId="14100"/>
+          <ac:picMkLst>
+            <pc:docMk/>
+            <pc:sldMk cId="4288194515" sldId="258"/>
+            <ac:picMk id="4" creationId="{02515AE9-92E6-1EC1-483E-755466E48BA1}"/>
+          </ac:picMkLst>
+        </pc:picChg>
+      </pc:sldChg>
+      <pc:sldChg chg="modSp mod">
+        <pc:chgData name="Djemal Kichikov" userId="2df4d88461675f5c" providerId="LiveId" clId="{70D66E5F-9B33-4EEB-9DC3-856794908AE2}" dt="2023-05-11T13:13:51.041" v="142" actId="14100"/>
+        <pc:sldMkLst>
+          <pc:docMk/>
+          <pc:sldMk cId="2935561949" sldId="260"/>
+        </pc:sldMkLst>
+        <pc:spChg chg="mod">
+          <ac:chgData name="Djemal Kichikov" userId="2df4d88461675f5c" providerId="LiveId" clId="{70D66E5F-9B33-4EEB-9DC3-856794908AE2}" dt="2023-05-11T13:12:28.437" v="95" actId="1076"/>
+          <ac:spMkLst>
+            <pc:docMk/>
+            <pc:sldMk cId="2935561949" sldId="260"/>
+            <ac:spMk id="2" creationId="{76B7AB06-0697-7065-4DC9-71B1FB3B05F7}"/>
+          </ac:spMkLst>
+        </pc:spChg>
+        <pc:spChg chg="mod">
+          <ac:chgData name="Djemal Kichikov" userId="2df4d88461675f5c" providerId="LiveId" clId="{70D66E5F-9B33-4EEB-9DC3-856794908AE2}" dt="2023-05-11T13:12:36.747" v="99" actId="14100"/>
+          <ac:spMkLst>
+            <pc:docMk/>
+            <pc:sldMk cId="2935561949" sldId="260"/>
+            <ac:spMk id="6" creationId="{6D1515FF-17AA-6D5D-92C1-4CBF67DE74E5}"/>
+          </ac:spMkLst>
+        </pc:spChg>
+        <pc:picChg chg="mod">
+          <ac:chgData name="Djemal Kichikov" userId="2df4d88461675f5c" providerId="LiveId" clId="{70D66E5F-9B33-4EEB-9DC3-856794908AE2}" dt="2023-05-11T13:13:51.041" v="142" actId="14100"/>
+          <ac:picMkLst>
+            <pc:docMk/>
+            <pc:sldMk cId="2935561949" sldId="260"/>
+            <ac:picMk id="5" creationId="{589E7F73-FA2A-0905-D992-0BD3DF447A02}"/>
+          </ac:picMkLst>
+        </pc:picChg>
+      </pc:sldChg>
+      <pc:sldChg chg="modSp mod">
+        <pc:chgData name="Djemal Kichikov" userId="2df4d88461675f5c" providerId="LiveId" clId="{70D66E5F-9B33-4EEB-9DC3-856794908AE2}" dt="2023-05-11T13:11:15.879" v="71" actId="1076"/>
+        <pc:sldMkLst>
+          <pc:docMk/>
+          <pc:sldMk cId="1629875729" sldId="261"/>
+        </pc:sldMkLst>
+        <pc:spChg chg="mod">
+          <ac:chgData name="Djemal Kichikov" userId="2df4d88461675f5c" providerId="LiveId" clId="{70D66E5F-9B33-4EEB-9DC3-856794908AE2}" dt="2023-05-11T13:10:48.354" v="60" actId="120"/>
+          <ac:spMkLst>
+            <pc:docMk/>
+            <pc:sldMk cId="1629875729" sldId="261"/>
+            <ac:spMk id="2" creationId="{B26086C8-2B7B-A847-ACDC-27197DB24D48}"/>
+          </ac:spMkLst>
+        </pc:spChg>
+        <pc:spChg chg="mod">
+          <ac:chgData name="Djemal Kichikov" userId="2df4d88461675f5c" providerId="LiveId" clId="{70D66E5F-9B33-4EEB-9DC3-856794908AE2}" dt="2023-05-11T13:11:01.627" v="63" actId="14100"/>
+          <ac:spMkLst>
+            <pc:docMk/>
+            <pc:sldMk cId="1629875729" sldId="261"/>
+            <ac:spMk id="6" creationId="{B2472148-1AEA-3D8B-2AAE-AF16A00A18AB}"/>
+          </ac:spMkLst>
+        </pc:spChg>
+        <pc:picChg chg="mod">
+          <ac:chgData name="Djemal Kichikov" userId="2df4d88461675f5c" providerId="LiveId" clId="{70D66E5F-9B33-4EEB-9DC3-856794908AE2}" dt="2023-05-11T13:11:15.879" v="71" actId="1076"/>
+          <ac:picMkLst>
+            <pc:docMk/>
+            <pc:sldMk cId="1629875729" sldId="261"/>
+            <ac:picMk id="5" creationId="{B28E902A-19E8-9E55-D0C2-BEAF56458F28}"/>
+          </ac:picMkLst>
+        </pc:picChg>
+      </pc:sldChg>
+      <pc:sldChg chg="modSp mod">
+        <pc:chgData name="Djemal Kichikov" userId="2df4d88461675f5c" providerId="LiveId" clId="{70D66E5F-9B33-4EEB-9DC3-856794908AE2}" dt="2023-05-11T13:13:21.694" v="140" actId="20577"/>
+        <pc:sldMkLst>
+          <pc:docMk/>
+          <pc:sldMk cId="3321861704" sldId="266"/>
+        </pc:sldMkLst>
+        <pc:spChg chg="mod">
+          <ac:chgData name="Djemal Kichikov" userId="2df4d88461675f5c" providerId="LiveId" clId="{70D66E5F-9B33-4EEB-9DC3-856794908AE2}" dt="2023-05-11T13:13:21.694" v="140" actId="20577"/>
+          <ac:spMkLst>
+            <pc:docMk/>
+            <pc:sldMk cId="3321861704" sldId="266"/>
+            <ac:spMk id="2" creationId="{E99A66E8-78E4-5B56-9E5D-2733D47C5C96}"/>
+          </ac:spMkLst>
+        </pc:spChg>
+      </pc:sldChg>
+    </pc:docChg>
+  </pc:docChgLst>
+</pc:chgInfo>
 </file>
 
 <file path=ppt/diagrams/colors1.xml><?xml version="1.0" encoding="utf-8"?>
@@ -901,7 +1116,7 @@
 <dgm:dataModel xmlns:dgm="http://schemas.openxmlformats.org/drawingml/2006/diagram" xmlns:a="http://schemas.openxmlformats.org/drawingml/2006/main">
   <dgm:ptLst>
     <dgm:pt modelId="{DBBCED31-ECC7-4CEB-9A2F-79D0A72461FF}" type="doc">
-      <dgm:prSet loTypeId="urn:microsoft.com/office/officeart/2005/8/layout/list1" loCatId="list" qsTypeId="urn:microsoft.com/office/officeart/2005/8/quickstyle/simple1" qsCatId="simple" csTypeId="urn:microsoft.com/office/officeart/2005/8/colors/colorful2" csCatId="colorful"/>
+      <dgm:prSet loTypeId="urn:microsoft.com/office/officeart/2005/8/layout/vList2" loCatId="list" qsTypeId="urn:microsoft.com/office/officeart/2005/8/quickstyle/simple1" qsCatId="simple" csTypeId="urn:microsoft.com/office/officeart/2005/8/colors/colorful2" csCatId="colorful"/>
       <dgm:spPr/>
       <dgm:t>
         <a:bodyPr/>
@@ -1133,25 +1348,16 @@
         </a:p>
       </dgm:t>
     </dgm:pt>
-    <dgm:pt modelId="{40E2CE61-ED6D-4305-9B33-C4B2DB23D171}" type="pres">
+    <dgm:pt modelId="{9F1A7599-8D22-49FA-B6C6-CDF3F9C91EBE}" type="pres">
       <dgm:prSet presAssocID="{DBBCED31-ECC7-4CEB-9A2F-79D0A72461FF}" presName="linear" presStyleCnt="0">
         <dgm:presLayoutVars>
-          <dgm:dir/>
           <dgm:animLvl val="lvl"/>
           <dgm:resizeHandles val="exact"/>
         </dgm:presLayoutVars>
       </dgm:prSet>
       <dgm:spPr/>
     </dgm:pt>
-    <dgm:pt modelId="{1B207F9F-1A62-4994-AAAB-FC713B25CE53}" type="pres">
-      <dgm:prSet presAssocID="{9DD30397-2B16-4555-AA37-01E8F1B0D398}" presName="parentLin" presStyleCnt="0"/>
-      <dgm:spPr/>
-    </dgm:pt>
-    <dgm:pt modelId="{8DFF13A2-BB21-409D-ABBB-6D68B86048A7}" type="pres">
-      <dgm:prSet presAssocID="{9DD30397-2B16-4555-AA37-01E8F1B0D398}" presName="parentLeftMargin" presStyleLbl="node1" presStyleIdx="0" presStyleCnt="6"/>
-      <dgm:spPr/>
-    </dgm:pt>
-    <dgm:pt modelId="{8E6BBEBD-69D5-4663-BEE3-E5A22BE830FE}" type="pres">
+    <dgm:pt modelId="{FAE4E2A7-86D2-489F-B2A8-0072F8C33B6E}" type="pres">
       <dgm:prSet presAssocID="{9DD30397-2B16-4555-AA37-01E8F1B0D398}" presName="parentText" presStyleLbl="node1" presStyleIdx="0" presStyleCnt="6">
         <dgm:presLayoutVars>
           <dgm:chMax val="0"/>
@@ -1160,32 +1366,12 @@
       </dgm:prSet>
       <dgm:spPr/>
     </dgm:pt>
-    <dgm:pt modelId="{9C1D0340-E431-48C0-B0FE-74A7555687FE}" type="pres">
-      <dgm:prSet presAssocID="{9DD30397-2B16-4555-AA37-01E8F1B0D398}" presName="negativeSpace" presStyleCnt="0"/>
+    <dgm:pt modelId="{74F2717B-BE8C-4C70-81BF-544061466F5E}" type="pres">
+      <dgm:prSet presAssocID="{D9674D3A-69E6-441F-B0F3-E96C2E51D13A}" presName="spacer" presStyleCnt="0"/>
       <dgm:spPr/>
     </dgm:pt>
-    <dgm:pt modelId="{6DEEE940-3207-4D46-820A-1703038647DA}" type="pres">
-      <dgm:prSet presAssocID="{9DD30397-2B16-4555-AA37-01E8F1B0D398}" presName="childText" presStyleLbl="conFgAcc1" presStyleIdx="0" presStyleCnt="6">
-        <dgm:presLayoutVars>
-          <dgm:bulletEnabled val="1"/>
-        </dgm:presLayoutVars>
-      </dgm:prSet>
-      <dgm:spPr/>
-    </dgm:pt>
-    <dgm:pt modelId="{05F5CD3C-69BB-418B-8BCF-930E1A944B4F}" type="pres">
-      <dgm:prSet presAssocID="{D9674D3A-69E6-441F-B0F3-E96C2E51D13A}" presName="spaceBetweenRectangles" presStyleCnt="0"/>
-      <dgm:spPr/>
-    </dgm:pt>
-    <dgm:pt modelId="{A6E8F51D-9171-49CE-901F-D6DA764F4C3D}" type="pres">
-      <dgm:prSet presAssocID="{BA73A00F-F86A-4B31-80B8-920160F927C4}" presName="parentLin" presStyleCnt="0"/>
-      <dgm:spPr/>
-    </dgm:pt>
-    <dgm:pt modelId="{1A33E6C2-F6A4-4D9B-902A-6CDF13CAA841}" type="pres">
-      <dgm:prSet presAssocID="{BA73A00F-F86A-4B31-80B8-920160F927C4}" presName="parentLeftMargin" presStyleLbl="node1" presStyleIdx="0" presStyleCnt="6"/>
-      <dgm:spPr/>
-    </dgm:pt>
-    <dgm:pt modelId="{8A584383-979C-4E5E-8E85-03AF84DAB8F3}" type="pres">
-      <dgm:prSet presAssocID="{BA73A00F-F86A-4B31-80B8-920160F927C4}" presName="parentText" presStyleLbl="node1" presStyleIdx="1" presStyleCnt="6">
+    <dgm:pt modelId="{C46503F4-26CE-4ABB-B1B1-518DCF3C05DE}" type="pres">
+      <dgm:prSet presAssocID="{BA73A00F-F86A-4B31-80B8-920160F927C4}" presName="parentText" presStyleLbl="node1" presStyleIdx="1" presStyleCnt="6" custLinFactY="93255" custLinFactNeighborX="709" custLinFactNeighborY="100000">
         <dgm:presLayoutVars>
           <dgm:chMax val="0"/>
           <dgm:bulletEnabled val="1"/>
@@ -1193,32 +1379,12 @@
       </dgm:prSet>
       <dgm:spPr/>
     </dgm:pt>
-    <dgm:pt modelId="{7E071DAA-DBF1-422E-878E-579111061301}" type="pres">
-      <dgm:prSet presAssocID="{BA73A00F-F86A-4B31-80B8-920160F927C4}" presName="negativeSpace" presStyleCnt="0"/>
+    <dgm:pt modelId="{F9973D96-EFBF-48F0-9F98-B97B062FD7C3}" type="pres">
+      <dgm:prSet presAssocID="{E4AFBDAB-82BC-43F6-A2C2-67FCEC652B68}" presName="spacer" presStyleCnt="0"/>
       <dgm:spPr/>
     </dgm:pt>
-    <dgm:pt modelId="{E0D5D397-BC6A-4726-8622-3B7179BF715E}" type="pres">
-      <dgm:prSet presAssocID="{BA73A00F-F86A-4B31-80B8-920160F927C4}" presName="childText" presStyleLbl="conFgAcc1" presStyleIdx="1" presStyleCnt="6">
-        <dgm:presLayoutVars>
-          <dgm:bulletEnabled val="1"/>
-        </dgm:presLayoutVars>
-      </dgm:prSet>
-      <dgm:spPr/>
-    </dgm:pt>
-    <dgm:pt modelId="{3EB9CF3C-506D-4BDD-8C61-75DAB57EAFBF}" type="pres">
-      <dgm:prSet presAssocID="{E4AFBDAB-82BC-43F6-A2C2-67FCEC652B68}" presName="spaceBetweenRectangles" presStyleCnt="0"/>
-      <dgm:spPr/>
-    </dgm:pt>
-    <dgm:pt modelId="{78BF7F68-241C-4DEA-9891-A81AE72634B7}" type="pres">
-      <dgm:prSet presAssocID="{79001A43-8D00-4595-8ABB-D0A40CB226F8}" presName="parentLin" presStyleCnt="0"/>
-      <dgm:spPr/>
-    </dgm:pt>
-    <dgm:pt modelId="{29EC78A9-62A0-4302-9DC7-3F0D56CB7CED}" type="pres">
-      <dgm:prSet presAssocID="{79001A43-8D00-4595-8ABB-D0A40CB226F8}" presName="parentLeftMargin" presStyleLbl="node1" presStyleIdx="1" presStyleCnt="6"/>
-      <dgm:spPr/>
-    </dgm:pt>
-    <dgm:pt modelId="{3AA2EEAD-1674-44C6-B7DD-68E6A0070054}" type="pres">
-      <dgm:prSet presAssocID="{79001A43-8D00-4595-8ABB-D0A40CB226F8}" presName="parentText" presStyleLbl="node1" presStyleIdx="2" presStyleCnt="6">
+    <dgm:pt modelId="{C804D0C1-2D8A-496E-9BF0-A9F45B9B4765}" type="pres">
+      <dgm:prSet presAssocID="{79001A43-8D00-4595-8ABB-D0A40CB226F8}" presName="parentText" presStyleLbl="node1" presStyleIdx="2" presStyleCnt="6" custLinFactY="94139" custLinFactNeighborX="709" custLinFactNeighborY="100000">
         <dgm:presLayoutVars>
           <dgm:chMax val="0"/>
           <dgm:bulletEnabled val="1"/>
@@ -1226,32 +1392,12 @@
       </dgm:prSet>
       <dgm:spPr/>
     </dgm:pt>
-    <dgm:pt modelId="{3C93D074-F3EE-4AAD-9ADB-B475304B750E}" type="pres">
-      <dgm:prSet presAssocID="{79001A43-8D00-4595-8ABB-D0A40CB226F8}" presName="negativeSpace" presStyleCnt="0"/>
+    <dgm:pt modelId="{2E176EDE-164B-4DC0-8FB5-B7FA0EE0ABE8}" type="pres">
+      <dgm:prSet presAssocID="{AEA86AED-FD28-4389-AF05-934AFC80E40E}" presName="spacer" presStyleCnt="0"/>
       <dgm:spPr/>
     </dgm:pt>
-    <dgm:pt modelId="{DA14C3B9-0D52-4907-995D-6CE788BE0983}" type="pres">
-      <dgm:prSet presAssocID="{79001A43-8D00-4595-8ABB-D0A40CB226F8}" presName="childText" presStyleLbl="conFgAcc1" presStyleIdx="2" presStyleCnt="6">
-        <dgm:presLayoutVars>
-          <dgm:bulletEnabled val="1"/>
-        </dgm:presLayoutVars>
-      </dgm:prSet>
-      <dgm:spPr/>
-    </dgm:pt>
-    <dgm:pt modelId="{CAA1FCEC-F510-4A64-AAC3-2039C0BFF5DD}" type="pres">
-      <dgm:prSet presAssocID="{AEA86AED-FD28-4389-AF05-934AFC80E40E}" presName="spaceBetweenRectangles" presStyleCnt="0"/>
-      <dgm:spPr/>
-    </dgm:pt>
-    <dgm:pt modelId="{8A265CD3-ED21-41B3-8F3D-07B05452BC89}" type="pres">
-      <dgm:prSet presAssocID="{E91146F8-5DD8-453C-938F-D1E2A80C10C3}" presName="parentLin" presStyleCnt="0"/>
-      <dgm:spPr/>
-    </dgm:pt>
-    <dgm:pt modelId="{A3787CC9-CF0F-4E65-AC88-FAF561CFF6D3}" type="pres">
-      <dgm:prSet presAssocID="{E91146F8-5DD8-453C-938F-D1E2A80C10C3}" presName="parentLeftMargin" presStyleLbl="node1" presStyleIdx="2" presStyleCnt="6"/>
-      <dgm:spPr/>
-    </dgm:pt>
-    <dgm:pt modelId="{F1E238C9-7A0F-46DB-A1DF-40032BF83ACD}" type="pres">
-      <dgm:prSet presAssocID="{E91146F8-5DD8-453C-938F-D1E2A80C10C3}" presName="parentText" presStyleLbl="node1" presStyleIdx="3" presStyleCnt="6">
+    <dgm:pt modelId="{C7D32EB9-3251-49A0-B107-E83B648916FB}" type="pres">
+      <dgm:prSet presAssocID="{E91146F8-5DD8-453C-938F-D1E2A80C10C3}" presName="parentText" presStyleLbl="node1" presStyleIdx="3" presStyleCnt="6" custLinFactY="-200000" custLinFactNeighborX="-146" custLinFactNeighborY="-201061">
         <dgm:presLayoutVars>
           <dgm:chMax val="0"/>
           <dgm:bulletEnabled val="1"/>
@@ -1259,31 +1405,11 @@
       </dgm:prSet>
       <dgm:spPr/>
     </dgm:pt>
-    <dgm:pt modelId="{38EF5A23-D1C5-4F8F-8CA8-921AF3C85A99}" type="pres">
-      <dgm:prSet presAssocID="{E91146F8-5DD8-453C-938F-D1E2A80C10C3}" presName="negativeSpace" presStyleCnt="0"/>
+    <dgm:pt modelId="{AE7142B2-FAB0-4B3E-8FCE-22C098A7F6AB}" type="pres">
+      <dgm:prSet presAssocID="{3CA6C693-7AEB-4739-8761-D96C9D5EBE54}" presName="spacer" presStyleCnt="0"/>
       <dgm:spPr/>
     </dgm:pt>
-    <dgm:pt modelId="{7C109D36-976E-48F7-843B-839DB5076A00}" type="pres">
-      <dgm:prSet presAssocID="{E91146F8-5DD8-453C-938F-D1E2A80C10C3}" presName="childText" presStyleLbl="conFgAcc1" presStyleIdx="3" presStyleCnt="6">
-        <dgm:presLayoutVars>
-          <dgm:bulletEnabled val="1"/>
-        </dgm:presLayoutVars>
-      </dgm:prSet>
-      <dgm:spPr/>
-    </dgm:pt>
-    <dgm:pt modelId="{2D4A835F-20F9-463C-9571-40C844CBD9F6}" type="pres">
-      <dgm:prSet presAssocID="{3CA6C693-7AEB-4739-8761-D96C9D5EBE54}" presName="spaceBetweenRectangles" presStyleCnt="0"/>
-      <dgm:spPr/>
-    </dgm:pt>
-    <dgm:pt modelId="{709BB5F8-2C4C-464F-8F9D-8E970A254025}" type="pres">
-      <dgm:prSet presAssocID="{A4F85E88-BDF8-4DAA-A524-C1C5E8329D31}" presName="parentLin" presStyleCnt="0"/>
-      <dgm:spPr/>
-    </dgm:pt>
-    <dgm:pt modelId="{6D368B48-6726-4A29-9059-258497369DE3}" type="pres">
-      <dgm:prSet presAssocID="{A4F85E88-BDF8-4DAA-A524-C1C5E8329D31}" presName="parentLeftMargin" presStyleLbl="node1" presStyleIdx="3" presStyleCnt="6"/>
-      <dgm:spPr/>
-    </dgm:pt>
-    <dgm:pt modelId="{8D983882-801C-4AE7-8624-FD1EC9F33BF0}" type="pres">
+    <dgm:pt modelId="{3385AD6C-4385-4508-ABE9-6A7B030BE08C}" type="pres">
       <dgm:prSet presAssocID="{A4F85E88-BDF8-4DAA-A524-C1C5E8329D31}" presName="parentText" presStyleLbl="node1" presStyleIdx="4" presStyleCnt="6">
         <dgm:presLayoutVars>
           <dgm:chMax val="0"/>
@@ -1292,46 +1418,14 @@
       </dgm:prSet>
       <dgm:spPr/>
     </dgm:pt>
-    <dgm:pt modelId="{5AD10B2C-8987-4023-A8C4-BDCAB854A1EB}" type="pres">
-      <dgm:prSet presAssocID="{A4F85E88-BDF8-4DAA-A524-C1C5E8329D31}" presName="negativeSpace" presStyleCnt="0"/>
+    <dgm:pt modelId="{3C80756E-94C2-47B7-A13A-057AF57EBBF0}" type="pres">
+      <dgm:prSet presAssocID="{C5CA36FB-E477-40DC-97CE-8E824810E0AD}" presName="spacer" presStyleCnt="0"/>
       <dgm:spPr/>
     </dgm:pt>
-    <dgm:pt modelId="{930A04E9-34A8-4DBD-AFB6-456E60698695}" type="pres">
-      <dgm:prSet presAssocID="{A4F85E88-BDF8-4DAA-A524-C1C5E8329D31}" presName="childText" presStyleLbl="conFgAcc1" presStyleIdx="4" presStyleCnt="6">
-        <dgm:presLayoutVars>
-          <dgm:bulletEnabled val="1"/>
-        </dgm:presLayoutVars>
-      </dgm:prSet>
-      <dgm:spPr/>
-    </dgm:pt>
-    <dgm:pt modelId="{9F0C4D4C-3DDA-4D12-BC01-17EE5F235B26}" type="pres">
-      <dgm:prSet presAssocID="{C5CA36FB-E477-40DC-97CE-8E824810E0AD}" presName="spaceBetweenRectangles" presStyleCnt="0"/>
-      <dgm:spPr/>
-    </dgm:pt>
-    <dgm:pt modelId="{AD912840-4DB8-4743-9D21-085F4A4C5982}" type="pres">
-      <dgm:prSet presAssocID="{28124AA2-24AF-4DA3-AC2A-B693EB1F55E5}" presName="parentLin" presStyleCnt="0"/>
-      <dgm:spPr/>
-    </dgm:pt>
-    <dgm:pt modelId="{BE4A8315-64FF-4E21-BDC8-15297BCE95FC}" type="pres">
-      <dgm:prSet presAssocID="{28124AA2-24AF-4DA3-AC2A-B693EB1F55E5}" presName="parentLeftMargin" presStyleLbl="node1" presStyleIdx="4" presStyleCnt="6"/>
-      <dgm:spPr/>
-    </dgm:pt>
-    <dgm:pt modelId="{30377DF6-F689-4DAA-AA98-20EE8FE1C66E}" type="pres">
+    <dgm:pt modelId="{96D5FC59-40C2-4809-B2E9-226DEBEE2455}" type="pres">
       <dgm:prSet presAssocID="{28124AA2-24AF-4DA3-AC2A-B693EB1F55E5}" presName="parentText" presStyleLbl="node1" presStyleIdx="5" presStyleCnt="6">
         <dgm:presLayoutVars>
           <dgm:chMax val="0"/>
-          <dgm:bulletEnabled val="1"/>
-        </dgm:presLayoutVars>
-      </dgm:prSet>
-      <dgm:spPr/>
-    </dgm:pt>
-    <dgm:pt modelId="{75884D2D-4A2E-4BF2-90CB-E0AA4F748457}" type="pres">
-      <dgm:prSet presAssocID="{28124AA2-24AF-4DA3-AC2A-B693EB1F55E5}" presName="negativeSpace" presStyleCnt="0"/>
-      <dgm:spPr/>
-    </dgm:pt>
-    <dgm:pt modelId="{086731C5-F939-4B70-8748-20CE9BE0E4F5}" type="pres">
-      <dgm:prSet presAssocID="{28124AA2-24AF-4DA3-AC2A-B693EB1F55E5}" presName="childText" presStyleLbl="conFgAcc1" presStyleIdx="5" presStyleCnt="6">
-        <dgm:presLayoutVars>
           <dgm:bulletEnabled val="1"/>
         </dgm:presLayoutVars>
       </dgm:prSet>
@@ -1341,58 +1435,28 @@
   <dgm:cxnLst>
     <dgm:cxn modelId="{1A4DE605-61CD-4556-ACB2-FE0BBEA305AE}" srcId="{DBBCED31-ECC7-4CEB-9A2F-79D0A72461FF}" destId="{28124AA2-24AF-4DA3-AC2A-B693EB1F55E5}" srcOrd="5" destOrd="0" parTransId="{EEC376C9-5FC1-4F0A-B8E0-12538448FB5D}" sibTransId="{C5E21851-8248-4AF3-B032-42523BE996B0}"/>
     <dgm:cxn modelId="{B16D7B1A-5065-417E-BB05-6F807D157940}" srcId="{DBBCED31-ECC7-4CEB-9A2F-79D0A72461FF}" destId="{9DD30397-2B16-4555-AA37-01E8F1B0D398}" srcOrd="0" destOrd="0" parTransId="{9BB12230-164A-426C-AEF1-A95A08623108}" sibTransId="{D9674D3A-69E6-441F-B0F3-E96C2E51D13A}"/>
-    <dgm:cxn modelId="{0983B91C-4D5E-4612-AD21-F8BAE6B0BF4A}" type="presOf" srcId="{79001A43-8D00-4595-8ABB-D0A40CB226F8}" destId="{29EC78A9-62A0-4302-9DC7-3F0D56CB7CED}" srcOrd="0" destOrd="0" presId="urn:microsoft.com/office/officeart/2005/8/layout/list1"/>
-    <dgm:cxn modelId="{216FFC1E-9374-4048-8655-83FEB79AC61F}" type="presOf" srcId="{BA73A00F-F86A-4B31-80B8-920160F927C4}" destId="{1A33E6C2-F6A4-4D9B-902A-6CDF13CAA841}" srcOrd="0" destOrd="0" presId="urn:microsoft.com/office/officeart/2005/8/layout/list1"/>
+    <dgm:cxn modelId="{D979C824-8C51-4214-BB05-081DEEBF10FA}" type="presOf" srcId="{28124AA2-24AF-4DA3-AC2A-B693EB1F55E5}" destId="{96D5FC59-40C2-4809-B2E9-226DEBEE2455}" srcOrd="0" destOrd="0" presId="urn:microsoft.com/office/officeart/2005/8/layout/vList2"/>
     <dgm:cxn modelId="{3FC0BA28-AABE-4D33-B754-8C769F863F2D}" srcId="{DBBCED31-ECC7-4CEB-9A2F-79D0A72461FF}" destId="{79001A43-8D00-4595-8ABB-D0A40CB226F8}" srcOrd="2" destOrd="0" parTransId="{EF815C79-B67B-4046-9E58-615D7E893E20}" sibTransId="{AEA86AED-FD28-4389-AF05-934AFC80E40E}"/>
-    <dgm:cxn modelId="{E716A934-077A-4D92-9D30-0322FA300128}" type="presOf" srcId="{9DD30397-2B16-4555-AA37-01E8F1B0D398}" destId="{8E6BBEBD-69D5-4663-BEE3-E5A22BE830FE}" srcOrd="1" destOrd="0" presId="urn:microsoft.com/office/officeart/2005/8/layout/list1"/>
-    <dgm:cxn modelId="{0BF00740-61C3-4BE1-A0DD-75F99C1B9F70}" type="presOf" srcId="{E91146F8-5DD8-453C-938F-D1E2A80C10C3}" destId="{A3787CC9-CF0F-4E65-AC88-FAF561CFF6D3}" srcOrd="0" destOrd="0" presId="urn:microsoft.com/office/officeart/2005/8/layout/list1"/>
-    <dgm:cxn modelId="{41C1565D-FA01-42DB-8BB5-EBD69722FCAD}" type="presOf" srcId="{E91146F8-5DD8-453C-938F-D1E2A80C10C3}" destId="{F1E238C9-7A0F-46DB-A1DF-40032BF83ACD}" srcOrd="1" destOrd="0" presId="urn:microsoft.com/office/officeart/2005/8/layout/list1"/>
-    <dgm:cxn modelId="{43C5FD41-E891-48F5-8299-F6781A811EE8}" type="presOf" srcId="{A4F85E88-BDF8-4DAA-A524-C1C5E8329D31}" destId="{8D983882-801C-4AE7-8624-FD1EC9F33BF0}" srcOrd="1" destOrd="0" presId="urn:microsoft.com/office/officeart/2005/8/layout/list1"/>
+    <dgm:cxn modelId="{CB45466E-3FA7-494C-8F51-3BEEE05BA45B}" type="presOf" srcId="{E91146F8-5DD8-453C-938F-D1E2A80C10C3}" destId="{C7D32EB9-3251-49A0-B107-E83B648916FB}" srcOrd="0" destOrd="0" presId="urn:microsoft.com/office/officeart/2005/8/layout/vList2"/>
     <dgm:cxn modelId="{2F7CAB76-5604-4E1A-8048-97B80CD51082}" srcId="{DBBCED31-ECC7-4CEB-9A2F-79D0A72461FF}" destId="{A4F85E88-BDF8-4DAA-A524-C1C5E8329D31}" srcOrd="4" destOrd="0" parTransId="{E70B379F-A7A7-4CAD-948B-2ADC595D6A0B}" sibTransId="{C5CA36FB-E477-40DC-97CE-8E824810E0AD}"/>
+    <dgm:cxn modelId="{7AA41B7D-8D6A-4515-893C-B329849A4B34}" type="presOf" srcId="{9DD30397-2B16-4555-AA37-01E8F1B0D398}" destId="{FAE4E2A7-86D2-489F-B2A8-0072F8C33B6E}" srcOrd="0" destOrd="0" presId="urn:microsoft.com/office/officeart/2005/8/layout/vList2"/>
     <dgm:cxn modelId="{34028386-E105-4888-B619-9EA60DDCACCA}" srcId="{DBBCED31-ECC7-4CEB-9A2F-79D0A72461FF}" destId="{BA73A00F-F86A-4B31-80B8-920160F927C4}" srcOrd="1" destOrd="0" parTransId="{E0D30E1E-DAA9-42B5-9D18-92B3CAECCF6A}" sibTransId="{E4AFBDAB-82BC-43F6-A2C2-67FCEC652B68}"/>
-    <dgm:cxn modelId="{25CF608E-B5F3-4AFC-A71E-DD8EA70C103A}" type="presOf" srcId="{28124AA2-24AF-4DA3-AC2A-B693EB1F55E5}" destId="{30377DF6-F689-4DAA-AA98-20EE8FE1C66E}" srcOrd="1" destOrd="0" presId="urn:microsoft.com/office/officeart/2005/8/layout/list1"/>
-    <dgm:cxn modelId="{1B0704A8-D3D7-4981-BA6C-4DA99A8ABEC6}" type="presOf" srcId="{9DD30397-2B16-4555-AA37-01E8F1B0D398}" destId="{8DFF13A2-BB21-409D-ABBB-6D68B86048A7}" srcOrd="0" destOrd="0" presId="urn:microsoft.com/office/officeart/2005/8/layout/list1"/>
-    <dgm:cxn modelId="{F23C0FB0-AECD-494A-BAB9-EF718401C197}" type="presOf" srcId="{A4F85E88-BDF8-4DAA-A524-C1C5E8329D31}" destId="{6D368B48-6726-4A29-9059-258497369DE3}" srcOrd="0" destOrd="0" presId="urn:microsoft.com/office/officeart/2005/8/layout/list1"/>
-    <dgm:cxn modelId="{743DC1B8-3A7D-44D6-9711-3679540253BC}" type="presOf" srcId="{79001A43-8D00-4595-8ABB-D0A40CB226F8}" destId="{3AA2EEAD-1674-44C6-B7DD-68E6A0070054}" srcOrd="1" destOrd="0" presId="urn:microsoft.com/office/officeart/2005/8/layout/list1"/>
     <dgm:cxn modelId="{751E73BE-9448-490E-8C4D-8FCB88D4B364}" srcId="{DBBCED31-ECC7-4CEB-9A2F-79D0A72461FF}" destId="{E91146F8-5DD8-453C-938F-D1E2A80C10C3}" srcOrd="3" destOrd="0" parTransId="{94AA4C92-5316-426E-AC8F-4C2769880F05}" sibTransId="{3CA6C693-7AEB-4739-8761-D96C9D5EBE54}"/>
-    <dgm:cxn modelId="{DA2913C9-760B-4F94-B9F6-A58349C698B5}" type="presOf" srcId="{28124AA2-24AF-4DA3-AC2A-B693EB1F55E5}" destId="{BE4A8315-64FF-4E21-BDC8-15297BCE95FC}" srcOrd="0" destOrd="0" presId="urn:microsoft.com/office/officeart/2005/8/layout/list1"/>
-    <dgm:cxn modelId="{320AC1F1-885A-442F-ABC3-9C9C6EF768B5}" type="presOf" srcId="{BA73A00F-F86A-4B31-80B8-920160F927C4}" destId="{8A584383-979C-4E5E-8E85-03AF84DAB8F3}" srcOrd="1" destOrd="0" presId="urn:microsoft.com/office/officeart/2005/8/layout/list1"/>
-    <dgm:cxn modelId="{8C0483F4-B3F1-44A7-99C6-ACE93A0C48F6}" type="presOf" srcId="{DBBCED31-ECC7-4CEB-9A2F-79D0A72461FF}" destId="{40E2CE61-ED6D-4305-9B33-C4B2DB23D171}" srcOrd="0" destOrd="0" presId="urn:microsoft.com/office/officeart/2005/8/layout/list1"/>
-    <dgm:cxn modelId="{B1F2872E-2FFD-4589-8B1E-06D224827BD1}" type="presParOf" srcId="{40E2CE61-ED6D-4305-9B33-C4B2DB23D171}" destId="{1B207F9F-1A62-4994-AAAB-FC713B25CE53}" srcOrd="0" destOrd="0" presId="urn:microsoft.com/office/officeart/2005/8/layout/list1"/>
-    <dgm:cxn modelId="{058D8BAD-0F5D-43F3-B617-AC8656E1A39B}" type="presParOf" srcId="{1B207F9F-1A62-4994-AAAB-FC713B25CE53}" destId="{8DFF13A2-BB21-409D-ABBB-6D68B86048A7}" srcOrd="0" destOrd="0" presId="urn:microsoft.com/office/officeart/2005/8/layout/list1"/>
-    <dgm:cxn modelId="{E1CD7ACC-D40F-40E6-A6B6-F59B64338791}" type="presParOf" srcId="{1B207F9F-1A62-4994-AAAB-FC713B25CE53}" destId="{8E6BBEBD-69D5-4663-BEE3-E5A22BE830FE}" srcOrd="1" destOrd="0" presId="urn:microsoft.com/office/officeart/2005/8/layout/list1"/>
-    <dgm:cxn modelId="{5E79E692-77FE-4DD2-A93A-86D6509FCE40}" type="presParOf" srcId="{40E2CE61-ED6D-4305-9B33-C4B2DB23D171}" destId="{9C1D0340-E431-48C0-B0FE-74A7555687FE}" srcOrd="1" destOrd="0" presId="urn:microsoft.com/office/officeart/2005/8/layout/list1"/>
-    <dgm:cxn modelId="{E9F2760A-D16E-411D-BA37-1666CFC262DC}" type="presParOf" srcId="{40E2CE61-ED6D-4305-9B33-C4B2DB23D171}" destId="{6DEEE940-3207-4D46-820A-1703038647DA}" srcOrd="2" destOrd="0" presId="urn:microsoft.com/office/officeart/2005/8/layout/list1"/>
-    <dgm:cxn modelId="{075186BF-5F13-45BF-85E4-C258B7E968F1}" type="presParOf" srcId="{40E2CE61-ED6D-4305-9B33-C4B2DB23D171}" destId="{05F5CD3C-69BB-418B-8BCF-930E1A944B4F}" srcOrd="3" destOrd="0" presId="urn:microsoft.com/office/officeart/2005/8/layout/list1"/>
-    <dgm:cxn modelId="{44E616A5-5204-4DB6-8C9E-4BEB3E9D0679}" type="presParOf" srcId="{40E2CE61-ED6D-4305-9B33-C4B2DB23D171}" destId="{A6E8F51D-9171-49CE-901F-D6DA764F4C3D}" srcOrd="4" destOrd="0" presId="urn:microsoft.com/office/officeart/2005/8/layout/list1"/>
-    <dgm:cxn modelId="{BA38004C-3315-4366-9D8F-2829E9828ED4}" type="presParOf" srcId="{A6E8F51D-9171-49CE-901F-D6DA764F4C3D}" destId="{1A33E6C2-F6A4-4D9B-902A-6CDF13CAA841}" srcOrd="0" destOrd="0" presId="urn:microsoft.com/office/officeart/2005/8/layout/list1"/>
-    <dgm:cxn modelId="{09486C94-B3C5-4089-A6C0-F46D7FFAA0AC}" type="presParOf" srcId="{A6E8F51D-9171-49CE-901F-D6DA764F4C3D}" destId="{8A584383-979C-4E5E-8E85-03AF84DAB8F3}" srcOrd="1" destOrd="0" presId="urn:microsoft.com/office/officeart/2005/8/layout/list1"/>
-    <dgm:cxn modelId="{E61595D9-A358-4466-AF4D-A4C97D4D43F4}" type="presParOf" srcId="{40E2CE61-ED6D-4305-9B33-C4B2DB23D171}" destId="{7E071DAA-DBF1-422E-878E-579111061301}" srcOrd="5" destOrd="0" presId="urn:microsoft.com/office/officeart/2005/8/layout/list1"/>
-    <dgm:cxn modelId="{BD272102-1D69-4C31-ABB9-455E3430B19F}" type="presParOf" srcId="{40E2CE61-ED6D-4305-9B33-C4B2DB23D171}" destId="{E0D5D397-BC6A-4726-8622-3B7179BF715E}" srcOrd="6" destOrd="0" presId="urn:microsoft.com/office/officeart/2005/8/layout/list1"/>
-    <dgm:cxn modelId="{E414F4C1-8615-429F-909B-B3AC6B09C32B}" type="presParOf" srcId="{40E2CE61-ED6D-4305-9B33-C4B2DB23D171}" destId="{3EB9CF3C-506D-4BDD-8C61-75DAB57EAFBF}" srcOrd="7" destOrd="0" presId="urn:microsoft.com/office/officeart/2005/8/layout/list1"/>
-    <dgm:cxn modelId="{770B179E-0EAD-4523-AEF7-68ED7914B383}" type="presParOf" srcId="{40E2CE61-ED6D-4305-9B33-C4B2DB23D171}" destId="{78BF7F68-241C-4DEA-9891-A81AE72634B7}" srcOrd="8" destOrd="0" presId="urn:microsoft.com/office/officeart/2005/8/layout/list1"/>
-    <dgm:cxn modelId="{6F19306C-AAEA-4277-A162-105BD15704F8}" type="presParOf" srcId="{78BF7F68-241C-4DEA-9891-A81AE72634B7}" destId="{29EC78A9-62A0-4302-9DC7-3F0D56CB7CED}" srcOrd="0" destOrd="0" presId="urn:microsoft.com/office/officeart/2005/8/layout/list1"/>
-    <dgm:cxn modelId="{ABC17427-B5BD-4279-BD34-55E73AF1612D}" type="presParOf" srcId="{78BF7F68-241C-4DEA-9891-A81AE72634B7}" destId="{3AA2EEAD-1674-44C6-B7DD-68E6A0070054}" srcOrd="1" destOrd="0" presId="urn:microsoft.com/office/officeart/2005/8/layout/list1"/>
-    <dgm:cxn modelId="{05B937C5-17B9-494A-A7AB-90294E57B58E}" type="presParOf" srcId="{40E2CE61-ED6D-4305-9B33-C4B2DB23D171}" destId="{3C93D074-F3EE-4AAD-9ADB-B475304B750E}" srcOrd="9" destOrd="0" presId="urn:microsoft.com/office/officeart/2005/8/layout/list1"/>
-    <dgm:cxn modelId="{92680C8D-DB80-4E93-A269-EA3CB847C75C}" type="presParOf" srcId="{40E2CE61-ED6D-4305-9B33-C4B2DB23D171}" destId="{DA14C3B9-0D52-4907-995D-6CE788BE0983}" srcOrd="10" destOrd="0" presId="urn:microsoft.com/office/officeart/2005/8/layout/list1"/>
-    <dgm:cxn modelId="{39E179B4-A00B-4807-9A63-C5C23A7853BF}" type="presParOf" srcId="{40E2CE61-ED6D-4305-9B33-C4B2DB23D171}" destId="{CAA1FCEC-F510-4A64-AAC3-2039C0BFF5DD}" srcOrd="11" destOrd="0" presId="urn:microsoft.com/office/officeart/2005/8/layout/list1"/>
-    <dgm:cxn modelId="{C380667B-31EB-4D1D-98EA-364AFC26135A}" type="presParOf" srcId="{40E2CE61-ED6D-4305-9B33-C4B2DB23D171}" destId="{8A265CD3-ED21-41B3-8F3D-07B05452BC89}" srcOrd="12" destOrd="0" presId="urn:microsoft.com/office/officeart/2005/8/layout/list1"/>
-    <dgm:cxn modelId="{5C4A5724-7D90-4277-95D8-6478D0B4ADD4}" type="presParOf" srcId="{8A265CD3-ED21-41B3-8F3D-07B05452BC89}" destId="{A3787CC9-CF0F-4E65-AC88-FAF561CFF6D3}" srcOrd="0" destOrd="0" presId="urn:microsoft.com/office/officeart/2005/8/layout/list1"/>
-    <dgm:cxn modelId="{2EA68139-00FA-48E6-AD33-1FE2DAD782D7}" type="presParOf" srcId="{8A265CD3-ED21-41B3-8F3D-07B05452BC89}" destId="{F1E238C9-7A0F-46DB-A1DF-40032BF83ACD}" srcOrd="1" destOrd="0" presId="urn:microsoft.com/office/officeart/2005/8/layout/list1"/>
-    <dgm:cxn modelId="{05DA5BD4-8903-46B6-A120-C924B3456225}" type="presParOf" srcId="{40E2CE61-ED6D-4305-9B33-C4B2DB23D171}" destId="{38EF5A23-D1C5-4F8F-8CA8-921AF3C85A99}" srcOrd="13" destOrd="0" presId="urn:microsoft.com/office/officeart/2005/8/layout/list1"/>
-    <dgm:cxn modelId="{10D67769-D5ED-4103-9F6C-62D4365D2C78}" type="presParOf" srcId="{40E2CE61-ED6D-4305-9B33-C4B2DB23D171}" destId="{7C109D36-976E-48F7-843B-839DB5076A00}" srcOrd="14" destOrd="0" presId="urn:microsoft.com/office/officeart/2005/8/layout/list1"/>
-    <dgm:cxn modelId="{C4FA60BC-A4DF-474E-BD40-04872F34E9D1}" type="presParOf" srcId="{40E2CE61-ED6D-4305-9B33-C4B2DB23D171}" destId="{2D4A835F-20F9-463C-9571-40C844CBD9F6}" srcOrd="15" destOrd="0" presId="urn:microsoft.com/office/officeart/2005/8/layout/list1"/>
-    <dgm:cxn modelId="{76809633-7A72-4E7B-9EA0-088E73725BB9}" type="presParOf" srcId="{40E2CE61-ED6D-4305-9B33-C4B2DB23D171}" destId="{709BB5F8-2C4C-464F-8F9D-8E970A254025}" srcOrd="16" destOrd="0" presId="urn:microsoft.com/office/officeart/2005/8/layout/list1"/>
-    <dgm:cxn modelId="{6AFD9EE0-97F0-4341-A77A-0E477012DE08}" type="presParOf" srcId="{709BB5F8-2C4C-464F-8F9D-8E970A254025}" destId="{6D368B48-6726-4A29-9059-258497369DE3}" srcOrd="0" destOrd="0" presId="urn:microsoft.com/office/officeart/2005/8/layout/list1"/>
-    <dgm:cxn modelId="{BEF3F96C-50FE-4429-852D-60B0945BB900}" type="presParOf" srcId="{709BB5F8-2C4C-464F-8F9D-8E970A254025}" destId="{8D983882-801C-4AE7-8624-FD1EC9F33BF0}" srcOrd="1" destOrd="0" presId="urn:microsoft.com/office/officeart/2005/8/layout/list1"/>
-    <dgm:cxn modelId="{78BC7B01-F2DE-4B59-BE31-2ADC444136ED}" type="presParOf" srcId="{40E2CE61-ED6D-4305-9B33-C4B2DB23D171}" destId="{5AD10B2C-8987-4023-A8C4-BDCAB854A1EB}" srcOrd="17" destOrd="0" presId="urn:microsoft.com/office/officeart/2005/8/layout/list1"/>
-    <dgm:cxn modelId="{F57375DC-302E-4ED6-B477-1C342FEC49C1}" type="presParOf" srcId="{40E2CE61-ED6D-4305-9B33-C4B2DB23D171}" destId="{930A04E9-34A8-4DBD-AFB6-456E60698695}" srcOrd="18" destOrd="0" presId="urn:microsoft.com/office/officeart/2005/8/layout/list1"/>
-    <dgm:cxn modelId="{D53BBCCB-AE59-416F-A068-EA4CE96A3969}" type="presParOf" srcId="{40E2CE61-ED6D-4305-9B33-C4B2DB23D171}" destId="{9F0C4D4C-3DDA-4D12-BC01-17EE5F235B26}" srcOrd="19" destOrd="0" presId="urn:microsoft.com/office/officeart/2005/8/layout/list1"/>
-    <dgm:cxn modelId="{7513CD4C-C576-4A91-BDA4-9B7B02036ABB}" type="presParOf" srcId="{40E2CE61-ED6D-4305-9B33-C4B2DB23D171}" destId="{AD912840-4DB8-4743-9D21-085F4A4C5982}" srcOrd="20" destOrd="0" presId="urn:microsoft.com/office/officeart/2005/8/layout/list1"/>
-    <dgm:cxn modelId="{B18EC7F5-B4A8-4129-9082-137EA83B41F3}" type="presParOf" srcId="{AD912840-4DB8-4743-9D21-085F4A4C5982}" destId="{BE4A8315-64FF-4E21-BDC8-15297BCE95FC}" srcOrd="0" destOrd="0" presId="urn:microsoft.com/office/officeart/2005/8/layout/list1"/>
-    <dgm:cxn modelId="{CB1C979C-9274-40F3-AB24-7894E0968CFE}" type="presParOf" srcId="{AD912840-4DB8-4743-9D21-085F4A4C5982}" destId="{30377DF6-F689-4DAA-AA98-20EE8FE1C66E}" srcOrd="1" destOrd="0" presId="urn:microsoft.com/office/officeart/2005/8/layout/list1"/>
-    <dgm:cxn modelId="{A283BBA5-F8CC-4E14-8865-A2FE8586CE4A}" type="presParOf" srcId="{40E2CE61-ED6D-4305-9B33-C4B2DB23D171}" destId="{75884D2D-4A2E-4BF2-90CB-E0AA4F748457}" srcOrd="21" destOrd="0" presId="urn:microsoft.com/office/officeart/2005/8/layout/list1"/>
-    <dgm:cxn modelId="{B7698886-2B9D-494B-8AD1-1939C13B3165}" type="presParOf" srcId="{40E2CE61-ED6D-4305-9B33-C4B2DB23D171}" destId="{086731C5-F939-4B70-8748-20CE9BE0E4F5}" srcOrd="22" destOrd="0" presId="urn:microsoft.com/office/officeart/2005/8/layout/list1"/>
+    <dgm:cxn modelId="{CFF795E3-5756-43F9-BF17-B97E8ABAA9D9}" type="presOf" srcId="{79001A43-8D00-4595-8ABB-D0A40CB226F8}" destId="{C804D0C1-2D8A-496E-9BF0-A9F45B9B4765}" srcOrd="0" destOrd="0" presId="urn:microsoft.com/office/officeart/2005/8/layout/vList2"/>
+    <dgm:cxn modelId="{CDE43AE5-283A-48FA-9266-71157B009F13}" type="presOf" srcId="{A4F85E88-BDF8-4DAA-A524-C1C5E8329D31}" destId="{3385AD6C-4385-4508-ABE9-6A7B030BE08C}" srcOrd="0" destOrd="0" presId="urn:microsoft.com/office/officeart/2005/8/layout/vList2"/>
+    <dgm:cxn modelId="{6DF480EE-C45D-4B98-9218-22A228A8849F}" type="presOf" srcId="{BA73A00F-F86A-4B31-80B8-920160F927C4}" destId="{C46503F4-26CE-4ABB-B1B1-518DCF3C05DE}" srcOrd="0" destOrd="0" presId="urn:microsoft.com/office/officeart/2005/8/layout/vList2"/>
+    <dgm:cxn modelId="{8751C8F8-C8F3-40D0-BAAD-96331AF8C82D}" type="presOf" srcId="{DBBCED31-ECC7-4CEB-9A2F-79D0A72461FF}" destId="{9F1A7599-8D22-49FA-B6C6-CDF3F9C91EBE}" srcOrd="0" destOrd="0" presId="urn:microsoft.com/office/officeart/2005/8/layout/vList2"/>
+    <dgm:cxn modelId="{1BF17B56-2757-4B8D-925C-C68205A007C3}" type="presParOf" srcId="{9F1A7599-8D22-49FA-B6C6-CDF3F9C91EBE}" destId="{FAE4E2A7-86D2-489F-B2A8-0072F8C33B6E}" srcOrd="0" destOrd="0" presId="urn:microsoft.com/office/officeart/2005/8/layout/vList2"/>
+    <dgm:cxn modelId="{55EA9107-651F-44C6-AF9C-4DAD92E43E18}" type="presParOf" srcId="{9F1A7599-8D22-49FA-B6C6-CDF3F9C91EBE}" destId="{74F2717B-BE8C-4C70-81BF-544061466F5E}" srcOrd="1" destOrd="0" presId="urn:microsoft.com/office/officeart/2005/8/layout/vList2"/>
+    <dgm:cxn modelId="{E94317ED-FD22-4D68-85F0-8811800191F1}" type="presParOf" srcId="{9F1A7599-8D22-49FA-B6C6-CDF3F9C91EBE}" destId="{C46503F4-26CE-4ABB-B1B1-518DCF3C05DE}" srcOrd="2" destOrd="0" presId="urn:microsoft.com/office/officeart/2005/8/layout/vList2"/>
+    <dgm:cxn modelId="{E216D3AC-CF32-4CF4-B286-A64FDA2B9AA3}" type="presParOf" srcId="{9F1A7599-8D22-49FA-B6C6-CDF3F9C91EBE}" destId="{F9973D96-EFBF-48F0-9F98-B97B062FD7C3}" srcOrd="3" destOrd="0" presId="urn:microsoft.com/office/officeart/2005/8/layout/vList2"/>
+    <dgm:cxn modelId="{E3FCBD60-084F-4C6E-8631-56D1A9609906}" type="presParOf" srcId="{9F1A7599-8D22-49FA-B6C6-CDF3F9C91EBE}" destId="{C804D0C1-2D8A-496E-9BF0-A9F45B9B4765}" srcOrd="4" destOrd="0" presId="urn:microsoft.com/office/officeart/2005/8/layout/vList2"/>
+    <dgm:cxn modelId="{7E5C6890-DDE2-4EDF-A9D8-F9C8E7BAD09C}" type="presParOf" srcId="{9F1A7599-8D22-49FA-B6C6-CDF3F9C91EBE}" destId="{2E176EDE-164B-4DC0-8FB5-B7FA0EE0ABE8}" srcOrd="5" destOrd="0" presId="urn:microsoft.com/office/officeart/2005/8/layout/vList2"/>
+    <dgm:cxn modelId="{7054ADC0-4DC3-48E1-8FA3-98BC4DEA93EB}" type="presParOf" srcId="{9F1A7599-8D22-49FA-B6C6-CDF3F9C91EBE}" destId="{C7D32EB9-3251-49A0-B107-E83B648916FB}" srcOrd="6" destOrd="0" presId="urn:microsoft.com/office/officeart/2005/8/layout/vList2"/>
+    <dgm:cxn modelId="{E3541343-0035-46EA-BE38-8476A9FD22A4}" type="presParOf" srcId="{9F1A7599-8D22-49FA-B6C6-CDF3F9C91EBE}" destId="{AE7142B2-FAB0-4B3E-8FCE-22C098A7F6AB}" srcOrd="7" destOrd="0" presId="urn:microsoft.com/office/officeart/2005/8/layout/vList2"/>
+    <dgm:cxn modelId="{F1251891-920A-479C-88FF-3D01567B619C}" type="presParOf" srcId="{9F1A7599-8D22-49FA-B6C6-CDF3F9C91EBE}" destId="{3385AD6C-4385-4508-ABE9-6A7B030BE08C}" srcOrd="8" destOrd="0" presId="urn:microsoft.com/office/officeart/2005/8/layout/vList2"/>
+    <dgm:cxn modelId="{EA69070F-CC20-4B91-8E35-57A783987FD7}" type="presParOf" srcId="{9F1A7599-8D22-49FA-B6C6-CDF3F9C91EBE}" destId="{3C80756E-94C2-47B7-A13A-057AF57EBBF0}" srcOrd="9" destOrd="0" presId="urn:microsoft.com/office/officeart/2005/8/layout/vList2"/>
+    <dgm:cxn modelId="{757A68BA-9E0F-4AF5-8438-17E6F8C5B5DE}" type="presParOf" srcId="{9F1A7599-8D22-49FA-B6C6-CDF3F9C91EBE}" destId="{96D5FC59-40C2-4809-B2E9-226DEBEE2455}" srcOrd="10" destOrd="0" presId="urn:microsoft.com/office/officeart/2005/8/layout/vList2"/>
   </dgm:cxnLst>
   <dgm:bg/>
   <dgm:whole/>
@@ -1412,64 +1476,15 @@
       <dsp:cNvGrpSpPr/>
     </dsp:nvGrpSpPr>
     <dsp:grpSpPr/>
-    <dsp:sp modelId="{6DEEE940-3207-4D46-820A-1703038647DA}">
+    <dsp:sp modelId="{FAE4E2A7-86D2-489F-B2A8-0072F8C33B6E}">
       <dsp:nvSpPr>
         <dsp:cNvPr id="0" name=""/>
         <dsp:cNvSpPr/>
       </dsp:nvSpPr>
       <dsp:spPr>
         <a:xfrm>
-          <a:off x="0" y="264596"/>
-          <a:ext cx="6858000" cy="428400"/>
-        </a:xfrm>
-        <a:prstGeom prst="rect">
-          <a:avLst/>
-        </a:prstGeom>
-        <a:solidFill>
-          <a:schemeClr val="lt1">
-            <a:alpha val="90000"/>
-            <a:hueOff val="0"/>
-            <a:satOff val="0"/>
-            <a:lumOff val="0"/>
-            <a:alphaOff val="0"/>
-          </a:schemeClr>
-        </a:solidFill>
-        <a:ln w="12700" cap="flat" cmpd="sng" algn="ctr">
-          <a:solidFill>
-            <a:schemeClr val="accent2">
-              <a:hueOff val="0"/>
-              <a:satOff val="0"/>
-              <a:lumOff val="0"/>
-              <a:alphaOff val="0"/>
-            </a:schemeClr>
-          </a:solidFill>
-          <a:prstDash val="solid"/>
-          <a:miter lim="800000"/>
-        </a:ln>
-        <a:effectLst/>
-      </dsp:spPr>
-      <dsp:style>
-        <a:lnRef idx="2">
-          <a:scrgbClr r="0" g="0" b="0"/>
-        </a:lnRef>
-        <a:fillRef idx="1">
-          <a:scrgbClr r="0" g="0" b="0"/>
-        </a:fillRef>
-        <a:effectRef idx="0">
-          <a:scrgbClr r="0" g="0" b="0"/>
-        </a:effectRef>
-        <a:fontRef idx="minor"/>
-      </dsp:style>
-    </dsp:sp>
-    <dsp:sp modelId="{8E6BBEBD-69D5-4663-BEE3-E5A22BE830FE}">
-      <dsp:nvSpPr>
-        <dsp:cNvPr id="0" name=""/>
-        <dsp:cNvSpPr/>
-      </dsp:nvSpPr>
-      <dsp:spPr>
-        <a:xfrm>
-          <a:off x="342900" y="13676"/>
-          <a:ext cx="4800600" cy="501840"/>
+          <a:off x="0" y="77879"/>
+          <a:ext cx="6096000" cy="786240"/>
         </a:xfrm>
         <a:prstGeom prst="roundRect">
           <a:avLst/>
@@ -1511,12 +1526,12 @@
         </a:fontRef>
       </dsp:style>
       <dsp:txBody>
-        <a:bodyPr spcFirstLastPara="0" vert="horz" wrap="square" lIns="181451" tIns="0" rIns="181451" bIns="0" numCol="1" spcCol="1270" anchor="ctr" anchorCtr="0">
+        <a:bodyPr spcFirstLastPara="0" vert="horz" wrap="square" lIns="121920" tIns="121920" rIns="121920" bIns="121920" numCol="1" spcCol="1270" anchor="ctr" anchorCtr="0">
           <a:noAutofit/>
         </a:bodyPr>
         <a:lstStyle/>
         <a:p>
-          <a:pPr marL="0" lvl="0" indent="0" algn="l" defTabSz="755650">
+          <a:pPr marL="0" lvl="0" indent="0" algn="l" defTabSz="1422400">
             <a:lnSpc>
               <a:spcPct val="90000"/>
             </a:lnSpc>
@@ -1529,75 +1544,26 @@
             <a:buNone/>
           </a:pPr>
           <a:r>
-            <a:rPr lang="bg-BG" sz="1700" kern="1200" dirty="0"/>
+            <a:rPr lang="bg-BG" sz="3200" kern="1200" dirty="0"/>
             <a:t>Описание на проекта</a:t>
           </a:r>
-          <a:endParaRPr lang="en-US" sz="1700" kern="1200" dirty="0"/>
+          <a:endParaRPr lang="en-US" sz="3200" kern="1200" dirty="0"/>
         </a:p>
       </dsp:txBody>
       <dsp:txXfrm>
-        <a:off x="367398" y="38174"/>
-        <a:ext cx="4751604" cy="452844"/>
+        <a:off x="38381" y="116260"/>
+        <a:ext cx="6019238" cy="709478"/>
       </dsp:txXfrm>
     </dsp:sp>
-    <dsp:sp modelId="{E0D5D397-BC6A-4726-8622-3B7179BF715E}">
+    <dsp:sp modelId="{C46503F4-26CE-4ABB-B1B1-518DCF3C05DE}">
       <dsp:nvSpPr>
         <dsp:cNvPr id="0" name=""/>
         <dsp:cNvSpPr/>
       </dsp:nvSpPr>
       <dsp:spPr>
         <a:xfrm>
-          <a:off x="0" y="1035716"/>
-          <a:ext cx="6858000" cy="428400"/>
-        </a:xfrm>
-        <a:prstGeom prst="rect">
-          <a:avLst/>
-        </a:prstGeom>
-        <a:solidFill>
-          <a:schemeClr val="lt1">
-            <a:alpha val="90000"/>
-            <a:hueOff val="0"/>
-            <a:satOff val="0"/>
-            <a:lumOff val="0"/>
-            <a:alphaOff val="0"/>
-          </a:schemeClr>
-        </a:solidFill>
-        <a:ln w="12700" cap="flat" cmpd="sng" algn="ctr">
-          <a:solidFill>
-            <a:schemeClr val="accent2">
-              <a:hueOff val="-305000"/>
-              <a:satOff val="-103"/>
-              <a:lumOff val="1412"/>
-              <a:alphaOff val="0"/>
-            </a:schemeClr>
-          </a:solidFill>
-          <a:prstDash val="solid"/>
-          <a:miter lim="800000"/>
-        </a:ln>
-        <a:effectLst/>
-      </dsp:spPr>
-      <dsp:style>
-        <a:lnRef idx="2">
-          <a:scrgbClr r="0" g="0" b="0"/>
-        </a:lnRef>
-        <a:fillRef idx="1">
-          <a:scrgbClr r="0" g="0" b="0"/>
-        </a:fillRef>
-        <a:effectRef idx="0">
-          <a:scrgbClr r="0" g="0" b="0"/>
-        </a:effectRef>
-        <a:fontRef idx="minor"/>
-      </dsp:style>
-    </dsp:sp>
-    <dsp:sp modelId="{8A584383-979C-4E5E-8E85-03AF84DAB8F3}">
-      <dsp:nvSpPr>
-        <dsp:cNvPr id="0" name=""/>
-        <dsp:cNvSpPr/>
-      </dsp:nvSpPr>
-      <dsp:spPr>
-        <a:xfrm>
-          <a:off x="342900" y="784796"/>
-          <a:ext cx="4800600" cy="501840"/>
+          <a:off x="0" y="1781648"/>
+          <a:ext cx="6096000" cy="786240"/>
         </a:xfrm>
         <a:prstGeom prst="roundRect">
           <a:avLst/>
@@ -1639,12 +1605,12 @@
         </a:fontRef>
       </dsp:style>
       <dsp:txBody>
-        <a:bodyPr spcFirstLastPara="0" vert="horz" wrap="square" lIns="181451" tIns="0" rIns="181451" bIns="0" numCol="1" spcCol="1270" anchor="ctr" anchorCtr="0">
+        <a:bodyPr spcFirstLastPara="0" vert="horz" wrap="square" lIns="121920" tIns="121920" rIns="121920" bIns="121920" numCol="1" spcCol="1270" anchor="ctr" anchorCtr="0">
           <a:noAutofit/>
         </a:bodyPr>
         <a:lstStyle/>
         <a:p>
-          <a:pPr marL="0" lvl="0" indent="0" algn="l" defTabSz="755650">
+          <a:pPr marL="0" lvl="0" indent="0" algn="l" defTabSz="1422400">
             <a:lnSpc>
               <a:spcPct val="90000"/>
             </a:lnSpc>
@@ -1657,75 +1623,26 @@
             <a:buNone/>
           </a:pPr>
           <a:r>
-            <a:rPr lang="bg-BG" sz="1700" kern="1200" dirty="0"/>
+            <a:rPr lang="bg-BG" sz="3200" kern="1200" dirty="0"/>
             <a:t>Блокова схема</a:t>
           </a:r>
-          <a:endParaRPr lang="en-US" sz="1700" kern="1200" dirty="0"/>
+          <a:endParaRPr lang="en-US" sz="3200" kern="1200" dirty="0"/>
         </a:p>
       </dsp:txBody>
       <dsp:txXfrm>
-        <a:off x="367398" y="809294"/>
-        <a:ext cx="4751604" cy="452844"/>
+        <a:off x="38381" y="1820029"/>
+        <a:ext cx="6019238" cy="709478"/>
       </dsp:txXfrm>
     </dsp:sp>
-    <dsp:sp modelId="{DA14C3B9-0D52-4907-995D-6CE788BE0983}">
+    <dsp:sp modelId="{C804D0C1-2D8A-496E-9BF0-A9F45B9B4765}">
       <dsp:nvSpPr>
         <dsp:cNvPr id="0" name=""/>
         <dsp:cNvSpPr/>
       </dsp:nvSpPr>
       <dsp:spPr>
         <a:xfrm>
-          <a:off x="0" y="1806837"/>
-          <a:ext cx="6858000" cy="428400"/>
-        </a:xfrm>
-        <a:prstGeom prst="rect">
-          <a:avLst/>
-        </a:prstGeom>
-        <a:solidFill>
-          <a:schemeClr val="lt1">
-            <a:alpha val="90000"/>
-            <a:hueOff val="0"/>
-            <a:satOff val="0"/>
-            <a:lumOff val="0"/>
-            <a:alphaOff val="0"/>
-          </a:schemeClr>
-        </a:solidFill>
-        <a:ln w="12700" cap="flat" cmpd="sng" algn="ctr">
-          <a:solidFill>
-            <a:schemeClr val="accent2">
-              <a:hueOff val="-609999"/>
-              <a:satOff val="-206"/>
-              <a:lumOff val="2824"/>
-              <a:alphaOff val="0"/>
-            </a:schemeClr>
-          </a:solidFill>
-          <a:prstDash val="solid"/>
-          <a:miter lim="800000"/>
-        </a:ln>
-        <a:effectLst/>
-      </dsp:spPr>
-      <dsp:style>
-        <a:lnRef idx="2">
-          <a:scrgbClr r="0" g="0" b="0"/>
-        </a:lnRef>
-        <a:fillRef idx="1">
-          <a:scrgbClr r="0" g="0" b="0"/>
-        </a:fillRef>
-        <a:effectRef idx="0">
-          <a:scrgbClr r="0" g="0" b="0"/>
-        </a:effectRef>
-        <a:fontRef idx="minor"/>
-      </dsp:style>
-    </dsp:sp>
-    <dsp:sp modelId="{3AA2EEAD-1674-44C6-B7DD-68E6A0070054}">
-      <dsp:nvSpPr>
-        <dsp:cNvPr id="0" name=""/>
-        <dsp:cNvSpPr/>
-      </dsp:nvSpPr>
-      <dsp:spPr>
-        <a:xfrm>
-          <a:off x="342900" y="1555916"/>
-          <a:ext cx="4800600" cy="501840"/>
+          <a:off x="0" y="2666998"/>
+          <a:ext cx="6096000" cy="786240"/>
         </a:xfrm>
         <a:prstGeom prst="roundRect">
           <a:avLst/>
@@ -1767,12 +1684,12 @@
         </a:fontRef>
       </dsp:style>
       <dsp:txBody>
-        <a:bodyPr spcFirstLastPara="0" vert="horz" wrap="square" lIns="181451" tIns="0" rIns="181451" bIns="0" numCol="1" spcCol="1270" anchor="ctr" anchorCtr="0">
+        <a:bodyPr spcFirstLastPara="0" vert="horz" wrap="square" lIns="121920" tIns="121920" rIns="121920" bIns="121920" numCol="1" spcCol="1270" anchor="ctr" anchorCtr="0">
           <a:noAutofit/>
         </a:bodyPr>
         <a:lstStyle/>
         <a:p>
-          <a:pPr marL="0" lvl="0" indent="0" algn="l" defTabSz="755650">
+          <a:pPr marL="0" lvl="0" indent="0" algn="l" defTabSz="1422400">
             <a:lnSpc>
               <a:spcPct val="90000"/>
             </a:lnSpc>
@@ -1785,75 +1702,26 @@
             <a:buNone/>
           </a:pPr>
           <a:r>
-            <a:rPr lang="bg-BG" sz="1700" kern="1200" dirty="0"/>
+            <a:rPr lang="bg-BG" sz="3200" kern="1200" dirty="0"/>
             <a:t>Електрическа схема</a:t>
           </a:r>
-          <a:endParaRPr lang="en-US" sz="1700" kern="1200" dirty="0"/>
+          <a:endParaRPr lang="en-US" sz="3200" kern="1200" dirty="0"/>
         </a:p>
       </dsp:txBody>
       <dsp:txXfrm>
-        <a:off x="367398" y="1580414"/>
-        <a:ext cx="4751604" cy="452844"/>
+        <a:off x="38381" y="2705379"/>
+        <a:ext cx="6019238" cy="709478"/>
       </dsp:txXfrm>
     </dsp:sp>
-    <dsp:sp modelId="{7C109D36-976E-48F7-843B-839DB5076A00}">
+    <dsp:sp modelId="{C7D32EB9-3251-49A0-B107-E83B648916FB}">
       <dsp:nvSpPr>
         <dsp:cNvPr id="0" name=""/>
         <dsp:cNvSpPr/>
       </dsp:nvSpPr>
       <dsp:spPr>
         <a:xfrm>
-          <a:off x="0" y="2577957"/>
-          <a:ext cx="6858000" cy="428400"/>
-        </a:xfrm>
-        <a:prstGeom prst="rect">
-          <a:avLst/>
-        </a:prstGeom>
-        <a:solidFill>
-          <a:schemeClr val="lt1">
-            <a:alpha val="90000"/>
-            <a:hueOff val="0"/>
-            <a:satOff val="0"/>
-            <a:lumOff val="0"/>
-            <a:alphaOff val="0"/>
-          </a:schemeClr>
-        </a:solidFill>
-        <a:ln w="12700" cap="flat" cmpd="sng" algn="ctr">
-          <a:solidFill>
-            <a:schemeClr val="accent2">
-              <a:hueOff val="-914999"/>
-              <a:satOff val="-308"/>
-              <a:lumOff val="4235"/>
-              <a:alphaOff val="0"/>
-            </a:schemeClr>
-          </a:solidFill>
-          <a:prstDash val="solid"/>
-          <a:miter lim="800000"/>
-        </a:ln>
-        <a:effectLst/>
-      </dsp:spPr>
-      <dsp:style>
-        <a:lnRef idx="2">
-          <a:scrgbClr r="0" g="0" b="0"/>
-        </a:lnRef>
-        <a:fillRef idx="1">
-          <a:scrgbClr r="0" g="0" b="0"/>
-        </a:fillRef>
-        <a:effectRef idx="0">
-          <a:scrgbClr r="0" g="0" b="0"/>
-        </a:effectRef>
-        <a:fontRef idx="minor"/>
-      </dsp:style>
-    </dsp:sp>
-    <dsp:sp modelId="{F1E238C9-7A0F-46DB-A1DF-40032BF83ACD}">
-      <dsp:nvSpPr>
-        <dsp:cNvPr id="0" name=""/>
-        <dsp:cNvSpPr/>
-      </dsp:nvSpPr>
-      <dsp:spPr>
-        <a:xfrm>
-          <a:off x="342900" y="2327037"/>
-          <a:ext cx="4800600" cy="501840"/>
+          <a:off x="0" y="955302"/>
+          <a:ext cx="6096000" cy="786240"/>
         </a:xfrm>
         <a:prstGeom prst="roundRect">
           <a:avLst/>
@@ -1895,12 +1763,12 @@
         </a:fontRef>
       </dsp:style>
       <dsp:txBody>
-        <a:bodyPr spcFirstLastPara="0" vert="horz" wrap="square" lIns="181451" tIns="0" rIns="181451" bIns="0" numCol="1" spcCol="1270" anchor="ctr" anchorCtr="0">
+        <a:bodyPr spcFirstLastPara="0" vert="horz" wrap="square" lIns="121920" tIns="121920" rIns="121920" bIns="121920" numCol="1" spcCol="1270" anchor="ctr" anchorCtr="0">
           <a:noAutofit/>
         </a:bodyPr>
         <a:lstStyle/>
         <a:p>
-          <a:pPr marL="0" lvl="0" indent="0" algn="l" defTabSz="755650">
+          <a:pPr marL="0" lvl="0" indent="0" algn="l" defTabSz="1422400">
             <a:lnSpc>
               <a:spcPct val="90000"/>
             </a:lnSpc>
@@ -1913,75 +1781,26 @@
             <a:buNone/>
           </a:pPr>
           <a:r>
-            <a:rPr lang="bg-BG" sz="1700" kern="1200" dirty="0"/>
+            <a:rPr lang="bg-BG" sz="3200" kern="1200" dirty="0"/>
             <a:t>Списък със съставни части</a:t>
           </a:r>
-          <a:endParaRPr lang="en-US" sz="1700" kern="1200" dirty="0"/>
+          <a:endParaRPr lang="en-US" sz="3200" kern="1200" dirty="0"/>
         </a:p>
       </dsp:txBody>
       <dsp:txXfrm>
-        <a:off x="367398" y="2351535"/>
-        <a:ext cx="4751604" cy="452844"/>
+        <a:off x="38381" y="993683"/>
+        <a:ext cx="6019238" cy="709478"/>
       </dsp:txXfrm>
     </dsp:sp>
-    <dsp:sp modelId="{930A04E9-34A8-4DBD-AFB6-456E60698695}">
+    <dsp:sp modelId="{3385AD6C-4385-4508-ABE9-6A7B030BE08C}">
       <dsp:nvSpPr>
         <dsp:cNvPr id="0" name=""/>
         <dsp:cNvSpPr/>
       </dsp:nvSpPr>
       <dsp:spPr>
         <a:xfrm>
-          <a:off x="0" y="3349077"/>
-          <a:ext cx="6858000" cy="428400"/>
-        </a:xfrm>
-        <a:prstGeom prst="rect">
-          <a:avLst/>
-        </a:prstGeom>
-        <a:solidFill>
-          <a:schemeClr val="lt1">
-            <a:alpha val="90000"/>
-            <a:hueOff val="0"/>
-            <a:satOff val="0"/>
-            <a:lumOff val="0"/>
-            <a:alphaOff val="0"/>
-          </a:schemeClr>
-        </a:solidFill>
-        <a:ln w="12700" cap="flat" cmpd="sng" algn="ctr">
-          <a:solidFill>
-            <a:schemeClr val="accent2">
-              <a:hueOff val="-1219998"/>
-              <a:satOff val="-411"/>
-              <a:lumOff val="5647"/>
-              <a:alphaOff val="0"/>
-            </a:schemeClr>
-          </a:solidFill>
-          <a:prstDash val="solid"/>
-          <a:miter lim="800000"/>
-        </a:ln>
-        <a:effectLst/>
-      </dsp:spPr>
-      <dsp:style>
-        <a:lnRef idx="2">
-          <a:scrgbClr r="0" g="0" b="0"/>
-        </a:lnRef>
-        <a:fillRef idx="1">
-          <a:scrgbClr r="0" g="0" b="0"/>
-        </a:fillRef>
-        <a:effectRef idx="0">
-          <a:scrgbClr r="0" g="0" b="0"/>
-        </a:effectRef>
-        <a:fontRef idx="minor"/>
-      </dsp:style>
-    </dsp:sp>
-    <dsp:sp modelId="{8D983882-801C-4AE7-8624-FD1EC9F33BF0}">
-      <dsp:nvSpPr>
-        <dsp:cNvPr id="0" name=""/>
-        <dsp:cNvSpPr/>
-      </dsp:nvSpPr>
-      <dsp:spPr>
-        <a:xfrm>
-          <a:off x="342900" y="3098157"/>
-          <a:ext cx="4800600" cy="501840"/>
+          <a:off x="0" y="3591480"/>
+          <a:ext cx="6096000" cy="786240"/>
         </a:xfrm>
         <a:prstGeom prst="roundRect">
           <a:avLst/>
@@ -2023,12 +1842,12 @@
         </a:fontRef>
       </dsp:style>
       <dsp:txBody>
-        <a:bodyPr spcFirstLastPara="0" vert="horz" wrap="square" lIns="181451" tIns="0" rIns="181451" bIns="0" numCol="1" spcCol="1270" anchor="ctr" anchorCtr="0">
+        <a:bodyPr spcFirstLastPara="0" vert="horz" wrap="square" lIns="121920" tIns="121920" rIns="121920" bIns="121920" numCol="1" spcCol="1270" anchor="ctr" anchorCtr="0">
           <a:noAutofit/>
         </a:bodyPr>
         <a:lstStyle/>
         <a:p>
-          <a:pPr marL="0" lvl="0" indent="0" algn="l" defTabSz="755650">
+          <a:pPr marL="0" lvl="0" indent="0" algn="l" defTabSz="1422400">
             <a:lnSpc>
               <a:spcPct val="90000"/>
             </a:lnSpc>
@@ -2041,75 +1860,26 @@
             <a:buNone/>
           </a:pPr>
           <a:r>
-            <a:rPr lang="bg-BG" sz="1700" kern="1200" dirty="0"/>
+            <a:rPr lang="bg-BG" sz="3200" kern="1200" dirty="0"/>
             <a:t>Описание на функционалност</a:t>
           </a:r>
-          <a:endParaRPr lang="en-US" sz="1700" kern="1200" dirty="0"/>
+          <a:endParaRPr lang="en-US" sz="3200" kern="1200" dirty="0"/>
         </a:p>
       </dsp:txBody>
       <dsp:txXfrm>
-        <a:off x="367398" y="3122655"/>
-        <a:ext cx="4751604" cy="452844"/>
+        <a:off x="38381" y="3629861"/>
+        <a:ext cx="6019238" cy="709478"/>
       </dsp:txXfrm>
     </dsp:sp>
-    <dsp:sp modelId="{086731C5-F939-4B70-8748-20CE9BE0E4F5}">
+    <dsp:sp modelId="{96D5FC59-40C2-4809-B2E9-226DEBEE2455}">
       <dsp:nvSpPr>
         <dsp:cNvPr id="0" name=""/>
         <dsp:cNvSpPr/>
       </dsp:nvSpPr>
       <dsp:spPr>
         <a:xfrm>
-          <a:off x="0" y="4120197"/>
-          <a:ext cx="6858000" cy="428400"/>
-        </a:xfrm>
-        <a:prstGeom prst="rect">
-          <a:avLst/>
-        </a:prstGeom>
-        <a:solidFill>
-          <a:schemeClr val="lt1">
-            <a:alpha val="90000"/>
-            <a:hueOff val="0"/>
-            <a:satOff val="0"/>
-            <a:lumOff val="0"/>
-            <a:alphaOff val="0"/>
-          </a:schemeClr>
-        </a:solidFill>
-        <a:ln w="12700" cap="flat" cmpd="sng" algn="ctr">
-          <a:solidFill>
-            <a:schemeClr val="accent2">
-              <a:hueOff val="-1524998"/>
-              <a:satOff val="-514"/>
-              <a:lumOff val="7059"/>
-              <a:alphaOff val="0"/>
-            </a:schemeClr>
-          </a:solidFill>
-          <a:prstDash val="solid"/>
-          <a:miter lim="800000"/>
-        </a:ln>
-        <a:effectLst/>
-      </dsp:spPr>
-      <dsp:style>
-        <a:lnRef idx="2">
-          <a:scrgbClr r="0" g="0" b="0"/>
-        </a:lnRef>
-        <a:fillRef idx="1">
-          <a:scrgbClr r="0" g="0" b="0"/>
-        </a:fillRef>
-        <a:effectRef idx="0">
-          <a:scrgbClr r="0" g="0" b="0"/>
-        </a:effectRef>
-        <a:fontRef idx="minor"/>
-      </dsp:style>
-    </dsp:sp>
-    <dsp:sp modelId="{30377DF6-F689-4DAA-AA98-20EE8FE1C66E}">
-      <dsp:nvSpPr>
-        <dsp:cNvPr id="0" name=""/>
-        <dsp:cNvSpPr/>
-      </dsp:nvSpPr>
-      <dsp:spPr>
-        <a:xfrm>
-          <a:off x="342900" y="3869277"/>
-          <a:ext cx="4800600" cy="501840"/>
+          <a:off x="0" y="4469880"/>
+          <a:ext cx="6096000" cy="786240"/>
         </a:xfrm>
         <a:prstGeom prst="roundRect">
           <a:avLst/>
@@ -2151,12 +1921,12 @@
         </a:fontRef>
       </dsp:style>
       <dsp:txBody>
-        <a:bodyPr spcFirstLastPara="0" vert="horz" wrap="square" lIns="181451" tIns="0" rIns="181451" bIns="0" numCol="1" spcCol="1270" anchor="ctr" anchorCtr="0">
+        <a:bodyPr spcFirstLastPara="0" vert="horz" wrap="square" lIns="121920" tIns="121920" rIns="121920" bIns="121920" numCol="1" spcCol="1270" anchor="ctr" anchorCtr="0">
           <a:noAutofit/>
         </a:bodyPr>
         <a:lstStyle/>
         <a:p>
-          <a:pPr marL="0" lvl="0" indent="0" algn="l" defTabSz="755650">
+          <a:pPr marL="0" lvl="0" indent="0" algn="l" defTabSz="1422400">
             <a:lnSpc>
               <a:spcPct val="90000"/>
             </a:lnSpc>
@@ -2169,15 +1939,15 @@
             <a:buNone/>
           </a:pPr>
           <a:r>
-            <a:rPr lang="bg-BG" sz="1700" kern="1200" dirty="0"/>
+            <a:rPr lang="bg-BG" sz="3200" kern="1200" dirty="0"/>
             <a:t>Заключение</a:t>
           </a:r>
-          <a:endParaRPr lang="en-US" sz="1700" kern="1200" dirty="0"/>
+          <a:endParaRPr lang="en-US" sz="3200" kern="1200" dirty="0"/>
         </a:p>
       </dsp:txBody>
       <dsp:txXfrm>
-        <a:off x="367398" y="3893775"/>
-        <a:ext cx="4751604" cy="452844"/>
+        <a:off x="38381" y="4508261"/>
+        <a:ext cx="6019238" cy="709478"/>
       </dsp:txXfrm>
     </dsp:sp>
   </dsp:spTree>
@@ -2185,11 +1955,12 @@
 </file>
 
 <file path=ppt/diagrams/layout1.xml><?xml version="1.0" encoding="utf-8"?>
-<dgm:layoutDef xmlns:dgm="http://schemas.openxmlformats.org/drawingml/2006/diagram" xmlns:a="http://schemas.openxmlformats.org/drawingml/2006/main" uniqueId="urn:microsoft.com/office/officeart/2005/8/layout/list1">
+<dgm:layoutDef xmlns:dgm="http://schemas.openxmlformats.org/drawingml/2006/diagram" xmlns:a="http://schemas.openxmlformats.org/drawingml/2006/main" uniqueId="urn:microsoft.com/office/officeart/2005/8/layout/vList2">
   <dgm:title val=""/>
   <dgm:desc val=""/>
   <dgm:catLst>
-    <dgm:cat type="list" pri="4000"/>
+    <dgm:cat type="list" pri="3000"/>
+    <dgm:cat type="convert" pri="1000"/>
   </dgm:catLst>
   <dgm:sampData>
     <dgm:dataModel>
@@ -2198,17 +1969,21 @@
         <dgm:pt modelId="1">
           <dgm:prSet phldr="1"/>
         </dgm:pt>
+        <dgm:pt modelId="11">
+          <dgm:prSet phldr="1"/>
+        </dgm:pt>
         <dgm:pt modelId="2">
           <dgm:prSet phldr="1"/>
         </dgm:pt>
-        <dgm:pt modelId="3">
+        <dgm:pt modelId="21">
           <dgm:prSet phldr="1"/>
         </dgm:pt>
       </dgm:ptLst>
       <dgm:cxnLst>
         <dgm:cxn modelId="4" srcId="0" destId="1" srcOrd="0" destOrd="0"/>
         <dgm:cxn modelId="5" srcId="0" destId="2" srcOrd="1" destOrd="0"/>
-        <dgm:cxn modelId="6" srcId="0" destId="3" srcOrd="2" destOrd="0"/>
+        <dgm:cxn modelId="12" srcId="1" destId="11" srcOrd="0" destOrd="0"/>
+        <dgm:cxn modelId="23" srcId="2" destId="21" srcOrd="0" destOrd="0"/>
       </dgm:cxnLst>
       <dgm:bg/>
       <dgm:whole/>
@@ -2222,8 +1997,8 @@
         <dgm:pt modelId="2"/>
       </dgm:ptLst>
       <dgm:cxnLst>
-        <dgm:cxn modelId="4" srcId="0" destId="1" srcOrd="0" destOrd="0"/>
-        <dgm:cxn modelId="5" srcId="0" destId="2" srcOrd="1" destOrd="0"/>
+        <dgm:cxn modelId="3" srcId="0" destId="1" srcOrd="0" destOrd="0"/>
+        <dgm:cxn modelId="4" srcId="0" destId="2" srcOrd="1" destOrd="0"/>
       </dgm:cxnLst>
       <dgm:bg/>
       <dgm:whole/>
@@ -2250,160 +2025,97 @@
   </dgm:clrData>
   <dgm:layoutNode name="linear">
     <dgm:varLst>
-      <dgm:dir/>
       <dgm:animLvl val="lvl"/>
       <dgm:resizeHandles val="exact"/>
     </dgm:varLst>
-    <dgm:choose name="Name0">
-      <dgm:if name="Name1" func="var" arg="dir" op="equ" val="norm">
-        <dgm:alg type="lin">
-          <dgm:param type="linDir" val="fromT"/>
-          <dgm:param type="vertAlign" val="mid"/>
-          <dgm:param type="horzAlign" val="l"/>
-          <dgm:param type="nodeHorzAlign" val="l"/>
-        </dgm:alg>
-      </dgm:if>
-      <dgm:else name="Name2">
-        <dgm:alg type="lin">
-          <dgm:param type="linDir" val="fromT"/>
-          <dgm:param type="vertAlign" val="mid"/>
-          <dgm:param type="horzAlign" val="r"/>
-          <dgm:param type="nodeHorzAlign" val="r"/>
-        </dgm:alg>
-      </dgm:else>
-    </dgm:choose>
+    <dgm:alg type="lin">
+      <dgm:param type="linDir" val="fromT"/>
+      <dgm:param type="vertAlign" val="mid"/>
+    </dgm:alg>
     <dgm:shape xmlns:r="http://schemas.openxmlformats.org/officeDocument/2006/relationships" r:blip="">
       <dgm:adjLst/>
     </dgm:shape>
     <dgm:presOf/>
     <dgm:constrLst>
-      <dgm:constr type="w" for="ch" forName="parentLin" refType="w"/>
-      <dgm:constr type="h" for="ch" forName="parentLin" val="INF"/>
-      <dgm:constr type="w" for="des" forName="parentLeftMargin" refType="w" fact="0.05"/>
-      <dgm:constr type="w" for="des" forName="parentText" refType="w" fact="0.7"/>
-      <dgm:constr type="h" for="des" forName="parentText" refType="primFontSz" refFor="des" refForName="parentText" fact="0.82"/>
-      <dgm:constr type="h" for="ch" forName="negativeSpace" refType="primFontSz" refFor="des" refForName="parentText" fact="-0.41"/>
-      <dgm:constr type="h" for="ch" forName="negativeSpace" refType="h" refFor="des" refForName="parentText" op="lte" fact="-0.82"/>
-      <dgm:constr type="h" for="ch" forName="negativeSpace" refType="h" refFor="des" refForName="parentText" op="gte" fact="-0.82"/>
+      <dgm:constr type="w" for="ch" forName="parentText" refType="w"/>
+      <dgm:constr type="h" for="ch" forName="parentText" refType="primFontSz" refFor="ch" refForName="parentText" fact="0.52"/>
       <dgm:constr type="w" for="ch" forName="childText" refType="w"/>
-      <dgm:constr type="h" for="ch" forName="childText" refType="primFontSz" refFor="des" refForName="parentText" fact="0.7"/>
-      <dgm:constr type="primFontSz" for="des" forName="parentText" val="65"/>
-      <dgm:constr type="primFontSz" for="ch" forName="childText" refType="primFontSz" refFor="des" refForName="parentText"/>
-      <dgm:constr type="tMarg" for="ch" forName="childText" refType="primFontSz" refFor="des" refForName="parentText" fact="1.64"/>
-      <dgm:constr type="tMarg" for="ch" forName="childText" refType="h" refFor="des" refForName="parentText" op="lte" fact="3.28"/>
-      <dgm:constr type="tMarg" for="ch" forName="childText" refType="h" refFor="des" refForName="parentText" op="gte" fact="3.28"/>
-      <dgm:constr type="lMarg" for="ch" forName="childText" refType="w" fact="0.22"/>
-      <dgm:constr type="rMarg" for="ch" forName="childText" refType="lMarg" refFor="ch" refForName="childText"/>
-      <dgm:constr type="lMarg" for="des" forName="parentText" refType="w" fact="0.075"/>
-      <dgm:constr type="rMarg" for="des" forName="parentText" refType="lMarg" refFor="des" refForName="parentText"/>
-      <dgm:constr type="h" for="ch" forName="spaceBetweenRectangles" refType="primFontSz" refFor="des" refForName="parentText" fact="0.15"/>
+      <dgm:constr type="h" for="ch" forName="childText" refType="primFontSz" refFor="ch" refForName="parentText" fact="0.46"/>
+      <dgm:constr type="h" for="ch" forName="parentText" op="equ"/>
+      <dgm:constr type="primFontSz" for="ch" forName="parentText" op="equ" val="65"/>
+      <dgm:constr type="primFontSz" for="ch" forName="childText" refType="primFontSz" refFor="ch" refForName="parentText" op="equ"/>
+      <dgm:constr type="h" for="ch" forName="spacer" refType="primFontSz" refFor="ch" refForName="parentText" fact="0.08"/>
     </dgm:constrLst>
     <dgm:ruleLst>
-      <dgm:rule type="primFontSz" for="des" forName="parentText" val="5" fact="NaN" max="NaN"/>
+      <dgm:rule type="primFontSz" for="ch" forName="parentText" val="5" fact="NaN" max="NaN"/>
     </dgm:ruleLst>
-    <dgm:forEach name="Name3" axis="ch" ptType="node">
-      <dgm:layoutNode name="parentLin">
-        <dgm:choose name="Name4">
-          <dgm:if name="Name5" func="var" arg="dir" op="equ" val="norm">
-            <dgm:alg type="lin">
-              <dgm:param type="linDir" val="fromL"/>
-              <dgm:param type="horzAlign" val="l"/>
-              <dgm:param type="nodeHorzAlign" val="l"/>
-            </dgm:alg>
-          </dgm:if>
-          <dgm:else name="Name6">
-            <dgm:alg type="lin">
-              <dgm:param type="linDir" val="fromR"/>
-              <dgm:param type="horzAlign" val="r"/>
-              <dgm:param type="nodeHorzAlign" val="r"/>
-            </dgm:alg>
-          </dgm:else>
-        </dgm:choose>
-        <dgm:shape xmlns:r="http://schemas.openxmlformats.org/officeDocument/2006/relationships" r:blip="">
-          <dgm:adjLst/>
-        </dgm:shape>
-        <dgm:presOf/>
-        <dgm:constrLst/>
-        <dgm:ruleLst/>
-        <dgm:layoutNode name="parentLeftMargin">
-          <dgm:alg type="sp"/>
-          <dgm:shape xmlns:r="http://schemas.openxmlformats.org/officeDocument/2006/relationships" type="rect" r:blip="" hideGeom="1">
-            <dgm:adjLst/>
-          </dgm:shape>
-          <dgm:presOf axis="self"/>
-          <dgm:constrLst>
-            <dgm:constr type="h"/>
-          </dgm:constrLst>
-          <dgm:ruleLst/>
-        </dgm:layoutNode>
-        <dgm:layoutNode name="parentText" styleLbl="node1">
-          <dgm:varLst>
-            <dgm:chMax val="0"/>
-            <dgm:bulletEnabled val="1"/>
-          </dgm:varLst>
-          <dgm:choose name="Name7">
-            <dgm:if name="Name8" func="var" arg="dir" op="equ" val="norm">
-              <dgm:alg type="tx">
-                <dgm:param type="parTxLTRAlign" val="l"/>
-                <dgm:param type="parTxRTLAlign" val="l"/>
-              </dgm:alg>
-            </dgm:if>
-            <dgm:else name="Name9">
-              <dgm:alg type="tx">
-                <dgm:param type="parTxLTRAlign" val="r"/>
-                <dgm:param type="parTxRTLAlign" val="r"/>
-              </dgm:alg>
-            </dgm:else>
-          </dgm:choose>
-          <dgm:shape xmlns:r="http://schemas.openxmlformats.org/officeDocument/2006/relationships" type="roundRect" r:blip="">
-            <dgm:adjLst/>
-          </dgm:shape>
-          <dgm:presOf axis="self" ptType="node"/>
-          <dgm:constrLst>
-            <dgm:constr type="tMarg"/>
-            <dgm:constr type="bMarg"/>
-          </dgm:constrLst>
-          <dgm:ruleLst/>
-        </dgm:layoutNode>
-      </dgm:layoutNode>
-      <dgm:layoutNode name="negativeSpace">
-        <dgm:alg type="sp"/>
-        <dgm:shape xmlns:r="http://schemas.openxmlformats.org/officeDocument/2006/relationships" r:blip="">
-          <dgm:adjLst/>
-        </dgm:shape>
-        <dgm:presOf/>
-        <dgm:constrLst/>
-        <dgm:ruleLst/>
-      </dgm:layoutNode>
-      <dgm:layoutNode name="childText" styleLbl="conFgAcc1">
+    <dgm:forEach name="Name0" axis="ch" ptType="node">
+      <dgm:layoutNode name="parentText" styleLbl="node1">
         <dgm:varLst>
+          <dgm:chMax val="0"/>
           <dgm:bulletEnabled val="1"/>
         </dgm:varLst>
         <dgm:alg type="tx">
-          <dgm:param type="stBulletLvl" val="1"/>
+          <dgm:param type="parTxLTRAlign" val="l"/>
+          <dgm:param type="parTxRTLAlign" val="r"/>
         </dgm:alg>
-        <dgm:shape xmlns:r="http://schemas.openxmlformats.org/officeDocument/2006/relationships" type="rect" r:blip="" zOrderOff="-2">
+        <dgm:shape xmlns:r="http://schemas.openxmlformats.org/officeDocument/2006/relationships" type="roundRect" r:blip="">
           <dgm:adjLst/>
         </dgm:shape>
-        <dgm:presOf axis="des" ptType="node"/>
+        <dgm:presOf axis="self"/>
         <dgm:constrLst>
-          <dgm:constr type="secFontSz" refType="primFontSz"/>
+          <dgm:constr type="tMarg" refType="primFontSz" fact="0.3"/>
+          <dgm:constr type="bMarg" refType="primFontSz" fact="0.3"/>
+          <dgm:constr type="lMarg" refType="primFontSz" fact="0.3"/>
+          <dgm:constr type="rMarg" refType="primFontSz" fact="0.3"/>
         </dgm:constrLst>
         <dgm:ruleLst>
           <dgm:rule type="h" val="INF" fact="NaN" max="NaN"/>
         </dgm:ruleLst>
       </dgm:layoutNode>
-      <dgm:forEach name="Name10" axis="followSib" ptType="sibTrans" cnt="1">
-        <dgm:layoutNode name="spaceBetweenRectangles">
-          <dgm:alg type="sp"/>
-          <dgm:shape xmlns:r="http://schemas.openxmlformats.org/officeDocument/2006/relationships" r:blip="">
-            <dgm:adjLst/>
-          </dgm:shape>
-          <dgm:presOf/>
-          <dgm:constrLst/>
-          <dgm:ruleLst/>
-        </dgm:layoutNode>
-      </dgm:forEach>
+      <dgm:choose name="Name1">
+        <dgm:if name="Name2" axis="ch" ptType="node" func="cnt" op="gte" val="1">
+          <dgm:layoutNode name="childText" styleLbl="revTx">
+            <dgm:varLst>
+              <dgm:bulletEnabled val="1"/>
+            </dgm:varLst>
+            <dgm:alg type="tx">
+              <dgm:param type="stBulletLvl" val="1"/>
+              <dgm:param type="lnSpAfChP" val="20"/>
+            </dgm:alg>
+            <dgm:shape xmlns:r="http://schemas.openxmlformats.org/officeDocument/2006/relationships" type="rect" r:blip="">
+              <dgm:adjLst/>
+            </dgm:shape>
+            <dgm:presOf axis="des" ptType="node"/>
+            <dgm:constrLst>
+              <dgm:constr type="tMarg" refType="primFontSz" fact="0.1"/>
+              <dgm:constr type="bMarg" refType="primFontSz" fact="0.1"/>
+              <dgm:constr type="lMarg" refType="w" fact="0.09"/>
+            </dgm:constrLst>
+            <dgm:ruleLst>
+              <dgm:rule type="h" val="INF" fact="NaN" max="NaN"/>
+            </dgm:ruleLst>
+          </dgm:layoutNode>
+        </dgm:if>
+        <dgm:else name="Name3">
+          <dgm:choose name="Name4">
+            <dgm:if name="Name5" axis="par ch" ptType="doc node" func="cnt" op="gte" val="2">
+              <dgm:forEach name="Name6" axis="followSib" ptType="sibTrans" cnt="1">
+                <dgm:layoutNode name="spacer">
+                  <dgm:alg type="sp"/>
+                  <dgm:shape xmlns:r="http://schemas.openxmlformats.org/officeDocument/2006/relationships" r:blip="">
+                    <dgm:adjLst/>
+                  </dgm:shape>
+                  <dgm:presOf/>
+                  <dgm:constrLst/>
+                  <dgm:ruleLst/>
+                </dgm:layoutNode>
+              </dgm:forEach>
+            </dgm:if>
+            <dgm:else name="Name7"/>
+          </dgm:choose>
+        </dgm:else>
+      </dgm:choose>
     </dgm:forEach>
   </dgm:layoutNode>
 </dgm:layoutDef>
@@ -3590,7 +3302,7 @@
           <a:p>
             <a:fld id="{76969C88-B244-455D-A017-012B25B1ACDD}" type="datetimeFigureOut">
               <a:rPr lang="en-US" smtClean="0"/>
-              <a:t>5/10/2023</a:t>
+              <a:t>5/11/2023</a:t>
             </a:fld>
             <a:endParaRPr lang="en-US"/>
           </a:p>
@@ -3788,7 +3500,7 @@
           <a:p>
             <a:fld id="{76969C88-B244-455D-A017-012B25B1ACDD}" type="datetimeFigureOut">
               <a:rPr lang="en-US" smtClean="0"/>
-              <a:t>5/10/2023</a:t>
+              <a:t>5/11/2023</a:t>
             </a:fld>
             <a:endParaRPr lang="en-US"/>
           </a:p>
@@ -3996,7 +3708,7 @@
           <a:p>
             <a:fld id="{76969C88-B244-455D-A017-012B25B1ACDD}" type="datetimeFigureOut">
               <a:rPr lang="en-US" smtClean="0"/>
-              <a:t>5/10/2023</a:t>
+              <a:t>5/11/2023</a:t>
             </a:fld>
             <a:endParaRPr lang="en-US"/>
           </a:p>
@@ -4195,7 +3907,7 @@
           <a:p>
             <a:fld id="{76969C88-B244-455D-A017-012B25B1ACDD}" type="datetimeFigureOut">
               <a:rPr lang="en-US" smtClean="0"/>
-              <a:t>5/10/2023</a:t>
+              <a:t>5/11/2023</a:t>
             </a:fld>
             <a:endParaRPr lang="en-US"/>
           </a:p>
@@ -4470,7 +4182,7 @@
           <a:p>
             <a:fld id="{76969C88-B244-455D-A017-012B25B1ACDD}" type="datetimeFigureOut">
               <a:rPr lang="en-US" smtClean="0"/>
-              <a:t>5/10/2023</a:t>
+              <a:t>5/11/2023</a:t>
             </a:fld>
             <a:endParaRPr lang="en-US"/>
           </a:p>
@@ -4735,7 +4447,7 @@
           <a:p>
             <a:fld id="{76969C88-B244-455D-A017-012B25B1ACDD}" type="datetimeFigureOut">
               <a:rPr lang="en-US" smtClean="0"/>
-              <a:t>5/10/2023</a:t>
+              <a:t>5/11/2023</a:t>
             </a:fld>
             <a:endParaRPr lang="en-US"/>
           </a:p>
@@ -5147,7 +4859,7 @@
           <a:p>
             <a:fld id="{76969C88-B244-455D-A017-012B25B1ACDD}" type="datetimeFigureOut">
               <a:rPr lang="en-US" smtClean="0"/>
-              <a:t>5/10/2023</a:t>
+              <a:t>5/11/2023</a:t>
             </a:fld>
             <a:endParaRPr lang="en-US"/>
           </a:p>
@@ -5288,7 +5000,7 @@
           <a:p>
             <a:fld id="{76969C88-B244-455D-A017-012B25B1ACDD}" type="datetimeFigureOut">
               <a:rPr lang="en-US" smtClean="0"/>
-              <a:t>5/10/2023</a:t>
+              <a:t>5/11/2023</a:t>
             </a:fld>
             <a:endParaRPr lang="en-US"/>
           </a:p>
@@ -5401,7 +5113,7 @@
           <a:p>
             <a:fld id="{76969C88-B244-455D-A017-012B25B1ACDD}" type="datetimeFigureOut">
               <a:rPr lang="en-US" smtClean="0"/>
-              <a:t>5/10/2023</a:t>
+              <a:t>5/11/2023</a:t>
             </a:fld>
             <a:endParaRPr lang="en-US"/>
           </a:p>
@@ -5713,7 +5425,7 @@
           <a:p>
             <a:fld id="{76969C88-B244-455D-A017-012B25B1ACDD}" type="datetimeFigureOut">
               <a:rPr lang="en-US" smtClean="0"/>
-              <a:t>5/10/2023</a:t>
+              <a:t>5/11/2023</a:t>
             </a:fld>
             <a:endParaRPr lang="en-US"/>
           </a:p>
@@ -6004,7 +5716,7 @@
           <a:p>
             <a:fld id="{76969C88-B244-455D-A017-012B25B1ACDD}" type="datetimeFigureOut">
               <a:rPr lang="en-US" smtClean="0"/>
-              <a:t>5/10/2023</a:t>
+              <a:t>5/11/2023</a:t>
             </a:fld>
             <a:endParaRPr lang="en-US"/>
           </a:p>
@@ -6760,7 +6472,7 @@
             <a:fld id="{76969C88-B244-455D-A017-012B25B1ACDD}" type="datetimeFigureOut">
               <a:rPr lang="en-US" smtClean="0"/>
               <a:pPr/>
-              <a:t>5/10/2023</a:t>
+              <a:t>5/11/2023</a:t>
             </a:fld>
             <a:endParaRPr lang="en-US"/>
           </a:p>
@@ -7200,7 +6912,7 @@
       </p:grpSpPr>
       <p:sp useBgFill="1">
         <p:nvSpPr>
-          <p:cNvPr id="19" name="Rectangle 8">
+          <p:cNvPr id="26" name="Rectangle 25">
             <a:extLst>
               <a:ext uri="{FF2B5EF4-FFF2-40B4-BE49-F238E27FC236}">
                 <a16:creationId xmlns:a16="http://schemas.microsoft.com/office/drawing/2014/main" id="{7A18C9FB-EC4C-4DAE-8F7D-C6E5AF607958}"/>
@@ -7291,28 +7003,49 @@
         </p:nvSpPr>
         <p:spPr>
           <a:xfrm>
-            <a:off x="6096000" y="1524000"/>
-            <a:ext cx="5334000" cy="2286000"/>
+            <a:off x="6858000" y="1524000"/>
+            <a:ext cx="4572000" cy="2286000"/>
           </a:xfrm>
         </p:spPr>
         <p:txBody>
-          <a:bodyPr>
+          <a:bodyPr vert="horz" lIns="91440" tIns="45720" rIns="91440" bIns="45720" rtlCol="0" anchor="b">
             <a:normAutofit/>
           </a:bodyPr>
           <a:lstStyle/>
           <a:p>
+            <a:pPr algn="l"/>
             <a:r>
-              <a:rPr lang="bg-BG" sz="3600" dirty="0"/>
+              <a:rPr lang="en-US" sz="3100" kern="1200">
+                <a:solidFill>
+                  <a:schemeClr val="tx1"/>
+                </a:solidFill>
+                <a:latin typeface="+mj-lt"/>
+                <a:ea typeface="+mj-ea"/>
+                <a:cs typeface="+mj-cs"/>
+              </a:rPr>
               <a:t>Проект:</a:t>
             </a:r>
             <a:br>
-              <a:rPr lang="bg-BG" sz="3600" dirty="0"/>
+              <a:rPr lang="en-US" sz="3100" kern="1200">
+                <a:solidFill>
+                  <a:schemeClr val="tx1"/>
+                </a:solidFill>
+                <a:latin typeface="+mj-lt"/>
+                <a:ea typeface="+mj-ea"/>
+                <a:cs typeface="+mj-cs"/>
+              </a:rPr>
             </a:br>
             <a:r>
-              <a:rPr lang="bg-BG" sz="3600" dirty="0"/>
+              <a:rPr lang="en-US" sz="3100" kern="1200">
+                <a:solidFill>
+                  <a:schemeClr val="tx1"/>
+                </a:solidFill>
+                <a:latin typeface="+mj-lt"/>
+                <a:ea typeface="+mj-ea"/>
+                <a:cs typeface="+mj-cs"/>
+              </a:rPr>
               <a:t>Въведение в Операционни системи и Вградени системи</a:t>
             </a:r>
-            <a:endParaRPr lang="en-US" sz="3600" dirty="0"/>
           </a:p>
         </p:txBody>
       </p:sp>
@@ -7334,33 +7067,45 @@
         </p:nvSpPr>
         <p:spPr>
           <a:xfrm>
-            <a:off x="6096000" y="4571999"/>
-            <a:ext cx="5334000" cy="1524000"/>
+            <a:off x="6858000" y="4571999"/>
+            <a:ext cx="4572000" cy="1524000"/>
           </a:xfrm>
         </p:spPr>
         <p:txBody>
-          <a:bodyPr>
+          <a:bodyPr vert="horz" lIns="91440" tIns="45720" rIns="91440" bIns="45720" rtlCol="0">
             <a:normAutofit/>
           </a:bodyPr>
           <a:lstStyle/>
           <a:p>
+            <a:pPr algn="l"/>
             <a:r>
-              <a:rPr lang="en-US" dirty="0"/>
+              <a:rPr lang="en-US" kern="1200">
+                <a:solidFill>
+                  <a:schemeClr val="tx1">
+                    <a:alpha val="70000"/>
+                  </a:schemeClr>
+                </a:solidFill>
+                <a:latin typeface="+mn-lt"/>
+                <a:ea typeface="+mn-ea"/>
+                <a:cs typeface="+mn-cs"/>
+              </a:rPr>
               <a:t>Automatic irrigation system</a:t>
             </a:r>
           </a:p>
           <a:p>
+            <a:pPr algn="l"/>
             <a:r>
-              <a:rPr lang="en-US" dirty="0"/>
-              <a:t>(</a:t>
-            </a:r>
-            <a:r>
-              <a:rPr lang="bg-BG" dirty="0"/>
-              <a:t>Автоматична поливна система</a:t>
-            </a:r>
-            <a:r>
-              <a:rPr lang="en-US" dirty="0"/>
-              <a:t>)</a:t>
+              <a:rPr lang="en-US" kern="1200">
+                <a:solidFill>
+                  <a:schemeClr val="tx1">
+                    <a:alpha val="70000"/>
+                  </a:schemeClr>
+                </a:solidFill>
+                <a:latin typeface="+mn-lt"/>
+                <a:ea typeface="+mn-ea"/>
+                <a:cs typeface="+mn-cs"/>
+              </a:rPr>
+              <a:t>(Автоматична поливна система)</a:t>
             </a:r>
           </a:p>
         </p:txBody>
@@ -7381,13 +7126,13 @@
         </p:nvPicPr>
         <p:blipFill rotWithShape="1">
           <a:blip r:embed="rId2"/>
-          <a:srcRect l="22594" r="22982"/>
+          <a:srcRect l="19230" r="19779"/>
           <a:stretch/>
         </p:blipFill>
         <p:spPr>
           <a:xfrm>
-            <a:off x="2" y="732510"/>
-            <a:ext cx="5333999" cy="6125491"/>
+            <a:off x="-8" y="762006"/>
+            <a:ext cx="5948805" cy="6095979"/>
           </a:xfrm>
           <a:custGeom>
             <a:avLst/>
@@ -7396,39 +7141,47 @@
             <a:cxnLst/>
             <a:rect l="l" t="t" r="r" b="b"/>
             <a:pathLst>
-              <a:path w="5333999" h="6125491">
+              <a:path w="5948805" h="6095979">
                 <a:moveTo>
-                  <a:pt x="0" y="0"/>
+                  <a:pt x="1573832" y="765"/>
                 </a:moveTo>
+                <a:cubicBezTo>
+                  <a:pt x="1940190" y="-10734"/>
+                  <a:pt x="2329345" y="109280"/>
+                  <a:pt x="2734663" y="238687"/>
+                </a:cubicBezTo>
+                <a:cubicBezTo>
+                  <a:pt x="4118244" y="680647"/>
+                  <a:pt x="5296697" y="1302752"/>
+                  <a:pt x="5668316" y="3639516"/>
+                </a:cubicBezTo>
+                <a:cubicBezTo>
+                  <a:pt x="5788298" y="4393559"/>
+                  <a:pt x="5890546" y="5142244"/>
+                  <a:pt x="5937022" y="5865869"/>
+                </a:cubicBezTo>
                 <a:lnTo>
-                  <a:pt x="201347" y="12133"/>
+                  <a:pt x="5948805" y="6095979"/>
+                </a:lnTo>
+                <a:lnTo>
+                  <a:pt x="0" y="6095979"/>
+                </a:lnTo>
+                <a:lnTo>
+                  <a:pt x="0" y="1621672"/>
+                </a:lnTo>
+                <a:lnTo>
+                  <a:pt x="36310" y="1518814"/>
                 </a:lnTo>
                 <a:cubicBezTo>
-                  <a:pt x="834520" y="59989"/>
-                  <a:pt x="1489622" y="165274"/>
-                  <a:pt x="2149412" y="288819"/>
+                  <a:pt x="109805" y="1321982"/>
+                  <a:pt x="192755" y="1133640"/>
+                  <a:pt x="287891" y="956872"/>
                 </a:cubicBezTo>
                 <a:cubicBezTo>
-                  <a:pt x="4194087" y="671477"/>
-                  <a:pt x="4738431" y="1884930"/>
-                  <a:pt x="5125148" y="3309606"/>
+                  <a:pt x="669453" y="247734"/>
+                  <a:pt x="1102800" y="15549"/>
+                  <a:pt x="1573832" y="765"/>
                 </a:cubicBezTo>
-                <a:cubicBezTo>
-                  <a:pt x="5383961" y="4263563"/>
-                  <a:pt x="5599841" y="5130569"/>
-                  <a:pt x="4496734" y="5829050"/>
-                </a:cubicBezTo>
-                <a:cubicBezTo>
-                  <a:pt x="4342061" y="5927011"/>
-                  <a:pt x="4177261" y="6012425"/>
-                  <a:pt x="4005032" y="6088102"/>
-                </a:cubicBezTo>
-                <a:lnTo>
-                  <a:pt x="3915032" y="6125491"/>
-                </a:lnTo>
-                <a:lnTo>
-                  <a:pt x="0" y="6125491"/>
-                </a:lnTo>
                 <a:close/>
               </a:path>
             </a:pathLst>
@@ -7437,10 +7190,10 @@
       </p:pic>
       <p:sp>
         <p:nvSpPr>
-          <p:cNvPr id="21" name="Freeform: Shape 10">
+          <p:cNvPr id="28" name="Freeform: Shape 27">
             <a:extLst>
               <a:ext uri="{FF2B5EF4-FFF2-40B4-BE49-F238E27FC236}">
-                <a16:creationId xmlns:a16="http://schemas.microsoft.com/office/drawing/2014/main" id="{4EB7CBBE-178B-4DB3-AD92-DED458BAE7CE}"/>
+                <a16:creationId xmlns:a16="http://schemas.microsoft.com/office/drawing/2014/main" id="{F47DB6CD-8E9E-4643-B3B6-01BD80429B3C}"/>
               </a:ext>
               <a:ext uri="{C183D7F6-B498-43B3-948B-1728B52AA6E4}">
                 <adec:decorative xmlns:adec="http://schemas.microsoft.com/office/drawing/2017/decorative" val="1"/>
@@ -7459,9 +7212,9 @@
           </p:nvPr>
         </p:nvSpPr>
         <p:spPr>
-          <a:xfrm>
-            <a:off x="1" y="352425"/>
-            <a:ext cx="5185830" cy="6505576"/>
+          <a:xfrm rot="5400000" flipH="1">
+            <a:off x="223838" y="538152"/>
+            <a:ext cx="6095989" cy="6543686"/>
           </a:xfrm>
           <a:custGeom>
             <a:avLst/>
@@ -7632,6 +7385,55 @@
           </a:p>
         </p:txBody>
       </p:sp>
+      <p:sp>
+        <p:nvSpPr>
+          <p:cNvPr id="5" name="TextBox 4">
+            <a:extLst>
+              <a:ext uri="{FF2B5EF4-FFF2-40B4-BE49-F238E27FC236}">
+                <a16:creationId xmlns:a16="http://schemas.microsoft.com/office/drawing/2014/main" id="{01204D55-5E70-799F-EDDB-043559955642}"/>
+              </a:ext>
+            </a:extLst>
+          </p:cNvPr>
+          <p:cNvSpPr txBox="1"/>
+          <p:nvPr/>
+        </p:nvSpPr>
+        <p:spPr>
+          <a:xfrm>
+            <a:off x="1065314" y="5708917"/>
+            <a:ext cx="3861787" cy="584775"/>
+          </a:xfrm>
+          <a:prstGeom prst="rect">
+            <a:avLst/>
+          </a:prstGeom>
+          <a:noFill/>
+        </p:spPr>
+        <p:txBody>
+          <a:bodyPr wrap="square" rtlCol="0">
+            <a:spAutoFit/>
+          </a:bodyPr>
+          <a:lstStyle/>
+          <a:p>
+            <a:pPr algn="ctr">
+              <a:spcAft>
+                <a:spcPts val="600"/>
+              </a:spcAft>
+            </a:pPr>
+            <a:r>
+              <a:rPr lang="bg-BG" sz="3200" b="1" dirty="0"/>
+              <a:t>Джемал</a:t>
+            </a:r>
+            <a:r>
+              <a:rPr lang="bg-BG" sz="3200" dirty="0"/>
+              <a:t> </a:t>
+            </a:r>
+            <a:r>
+              <a:rPr lang="bg-BG" sz="3200" b="1" dirty="0"/>
+              <a:t>Кичиков</a:t>
+            </a:r>
+            <a:endParaRPr lang="en-US" sz="3200" b="1" dirty="0"/>
+          </a:p>
+        </p:txBody>
+      </p:sp>
     </p:spTree>
     <p:extLst>
       <p:ext uri="{BB962C8B-B14F-4D97-AF65-F5344CB8AC3E}">
@@ -7645,6 +7447,113 @@
   <p:transition spd="slow">
     <p:randomBar dir="vert"/>
   </p:transition>
+</p:sld>
+</file>
+
+<file path=ppt/slides/slide10.xml><?xml version="1.0" encoding="utf-8"?>
+<p:sld xmlns:a="http://schemas.openxmlformats.org/drawingml/2006/main" xmlns:r="http://schemas.openxmlformats.org/officeDocument/2006/relationships" xmlns:p="http://schemas.openxmlformats.org/presentationml/2006/main">
+  <p:cSld>
+    <p:spTree>
+      <p:nvGrpSpPr>
+        <p:cNvPr id="1" name=""/>
+        <p:cNvGrpSpPr/>
+        <p:nvPr/>
+      </p:nvGrpSpPr>
+      <p:grpSpPr>
+        <a:xfrm>
+          <a:off x="0" y="0"/>
+          <a:ext cx="0" cy="0"/>
+          <a:chOff x="0" y="0"/>
+          <a:chExt cx="0" cy="0"/>
+        </a:xfrm>
+      </p:grpSpPr>
+      <p:sp>
+        <p:nvSpPr>
+          <p:cNvPr id="2" name="Title 1">
+            <a:extLst>
+              <a:ext uri="{FF2B5EF4-FFF2-40B4-BE49-F238E27FC236}">
+                <a16:creationId xmlns:a16="http://schemas.microsoft.com/office/drawing/2014/main" id="{E99A66E8-78E4-5B56-9E5D-2733D47C5C96}"/>
+              </a:ext>
+            </a:extLst>
+          </p:cNvPr>
+          <p:cNvSpPr>
+            <a:spLocks noGrp="1"/>
+          </p:cNvSpPr>
+          <p:nvPr>
+            <p:ph type="title"/>
+          </p:nvPr>
+        </p:nvSpPr>
+        <p:spPr>
+          <a:xfrm>
+            <a:off x="762000" y="762000"/>
+            <a:ext cx="10668000" cy="4138474"/>
+          </a:xfrm>
+        </p:spPr>
+        <p:txBody>
+          <a:bodyPr/>
+          <a:lstStyle/>
+          <a:p>
+            <a:r>
+              <a:rPr lang="bg-BG" dirty="0"/>
+              <a:t>Линк към </a:t>
+            </a:r>
+            <a:r>
+              <a:rPr lang="en-US" dirty="0" err="1"/>
+              <a:t>Tinkercad</a:t>
+            </a:r>
+            <a:r>
+              <a:rPr lang="en-US" dirty="0"/>
+              <a:t>: </a:t>
+            </a:r>
+            <a:r>
+              <a:rPr lang="en-US" dirty="0">
+                <a:hlinkClick r:id="rId2"/>
+              </a:rPr>
+              <a:t>click here</a:t>
+            </a:r>
+            <a:br>
+              <a:rPr lang="en-US" dirty="0"/>
+            </a:br>
+            <a:r>
+              <a:rPr lang="bg-BG" dirty="0"/>
+              <a:t>Линк към </a:t>
+            </a:r>
+            <a:r>
+              <a:rPr lang="en-US" dirty="0"/>
+              <a:t>GitHub: </a:t>
+            </a:r>
+            <a:r>
+              <a:rPr lang="en-US" dirty="0">
+                <a:hlinkClick r:id="rId3"/>
+              </a:rPr>
+              <a:t>click here</a:t>
+            </a:r>
+            <a:endParaRPr lang="en-US" dirty="0"/>
+          </a:p>
+        </p:txBody>
+      </p:sp>
+    </p:spTree>
+    <p:extLst>
+      <p:ext uri="{BB962C8B-B14F-4D97-AF65-F5344CB8AC3E}">
+        <p14:creationId xmlns:p14="http://schemas.microsoft.com/office/powerpoint/2010/main" val="3321861704"/>
+      </p:ext>
+    </p:extLst>
+  </p:cSld>
+  <p:clrMapOvr>
+    <a:masterClrMapping/>
+  </p:clrMapOvr>
+  <mc:AlternateContent xmlns:mc="http://schemas.openxmlformats.org/markup-compatibility/2006" xmlns:p14="http://schemas.microsoft.com/office/powerpoint/2010/main">
+    <mc:Choice Requires="p14">
+      <p:transition spd="slow" p14:dur="1500">
+        <p:random/>
+      </p:transition>
+    </mc:Choice>
+    <mc:Fallback xmlns="">
+      <p:transition spd="slow">
+        <p:random/>
+      </p:transition>
+    </mc:Fallback>
+  </mc:AlternateContent>
 </p:sld>
 </file>
 
@@ -7675,7 +7584,7 @@
       </p:grpSpPr>
       <p:sp useBgFill="1">
         <p:nvSpPr>
-          <p:cNvPr id="9" name="Rectangle 8">
+          <p:cNvPr id="18" name="Rectangle 17">
             <a:extLst>
               <a:ext uri="{FF2B5EF4-FFF2-40B4-BE49-F238E27FC236}">
                 <a16:creationId xmlns:a16="http://schemas.microsoft.com/office/drawing/2014/main" id="{987A0FBA-CC04-4256-A8EB-BB3C543E989C}"/>
@@ -7751,10 +7660,10 @@
       </p:sp>
       <p:sp>
         <p:nvSpPr>
-          <p:cNvPr id="11" name="Freeform: Shape 10">
+          <p:cNvPr id="20" name="Freeform: Shape 19">
             <a:extLst>
               <a:ext uri="{FF2B5EF4-FFF2-40B4-BE49-F238E27FC236}">
-                <a16:creationId xmlns:a16="http://schemas.microsoft.com/office/drawing/2014/main" id="{3F3A0F6C-EB8F-4A4C-8258-23F6D815E0E0}"/>
+                <a16:creationId xmlns:a16="http://schemas.microsoft.com/office/drawing/2014/main" id="{E861A6E4-CB70-4D29-87D4-AD020035F920}"/>
               </a:ext>
               <a:ext uri="{C183D7F6-B498-43B3-948B-1728B52AA6E4}">
                 <adec:decorative xmlns:adec="http://schemas.microsoft.com/office/drawing/2017/decorative" val="1"/>
@@ -7774,30 +7683,30 @@
         </p:nvSpPr>
         <p:spPr>
           <a:xfrm>
-            <a:off x="0" y="0"/>
-            <a:ext cx="12198352" cy="6438900"/>
+            <a:off x="0" y="1835635"/>
+            <a:ext cx="4212773" cy="5022365"/>
           </a:xfrm>
           <a:custGeom>
             <a:avLst/>
             <a:gdLst>
-              <a:gd name="connsiteX0" fmla="*/ 0 w 12198352"/>
-              <a:gd name="connsiteY0" fmla="*/ 0 h 6438900"/>
-              <a:gd name="connsiteX1" fmla="*/ 12198352 w 12198352"/>
-              <a:gd name="connsiteY1" fmla="*/ 0 h 6438900"/>
-              <a:gd name="connsiteX2" fmla="*/ 12198352 w 12198352"/>
-              <a:gd name="connsiteY2" fmla="*/ 5644414 h 6438900"/>
-              <a:gd name="connsiteX3" fmla="*/ 12042486 w 12198352"/>
-              <a:gd name="connsiteY3" fmla="*/ 5750064 h 6438900"/>
-              <a:gd name="connsiteX4" fmla="*/ 9483672 w 12198352"/>
-              <a:gd name="connsiteY4" fmla="*/ 6432438 h 6438900"/>
-              <a:gd name="connsiteX5" fmla="*/ 8500895 w 12198352"/>
-              <a:gd name="connsiteY5" fmla="*/ 6437925 h 6438900"/>
-              <a:gd name="connsiteX6" fmla="*/ 1629409 w 12198352"/>
-              <a:gd name="connsiteY6" fmla="*/ 5170893 h 6438900"/>
-              <a:gd name="connsiteX7" fmla="*/ 433424 w 12198352"/>
-              <a:gd name="connsiteY7" fmla="*/ 4633819 h 6438900"/>
-              <a:gd name="connsiteX8" fmla="*/ 0 w 12198352"/>
-              <a:gd name="connsiteY8" fmla="*/ 4450771 h 6438900"/>
+              <a:gd name="connsiteX0" fmla="*/ 0 w 4212773"/>
+              <a:gd name="connsiteY0" fmla="*/ 0 h 6498740"/>
+              <a:gd name="connsiteX1" fmla="*/ 159023 w 4212773"/>
+              <a:gd name="connsiteY1" fmla="*/ 12872 h 6498740"/>
+              <a:gd name="connsiteX2" fmla="*/ 1697597 w 4212773"/>
+              <a:gd name="connsiteY2" fmla="*/ 306418 h 6498740"/>
+              <a:gd name="connsiteX3" fmla="*/ 4047822 w 4212773"/>
+              <a:gd name="connsiteY3" fmla="*/ 3511272 h 6498740"/>
+              <a:gd name="connsiteX4" fmla="*/ 3551503 w 4212773"/>
+              <a:gd name="connsiteY4" fmla="*/ 6184235 h 6498740"/>
+              <a:gd name="connsiteX5" fmla="*/ 3163159 w 4212773"/>
+              <a:gd name="connsiteY5" fmla="*/ 6459073 h 6498740"/>
+              <a:gd name="connsiteX6" fmla="*/ 3092077 w 4212773"/>
+              <a:gd name="connsiteY6" fmla="*/ 6498740 h 6498740"/>
+              <a:gd name="connsiteX7" fmla="*/ 0 w 4212773"/>
+              <a:gd name="connsiteY7" fmla="*/ 6498740 h 6498740"/>
+              <a:gd name="connsiteX8" fmla="*/ 0 w 4212773"/>
+              <a:gd name="connsiteY8" fmla="*/ 0 h 6498740"/>
             </a:gdLst>
             <a:ahLst/>
             <a:cxnLst>
@@ -7831,41 +7740,41 @@
             </a:cxnLst>
             <a:rect l="l" t="t" r="r" b="b"/>
             <a:pathLst>
-              <a:path w="12198352" h="6438900">
+              <a:path w="4212773" h="6498740">
                 <a:moveTo>
                   <a:pt x="0" y="0"/>
                 </a:moveTo>
                 <a:lnTo>
-                  <a:pt x="12198352" y="0"/>
+                  <a:pt x="159023" y="12872"/>
+                </a:lnTo>
+                <a:cubicBezTo>
+                  <a:pt x="659101" y="63644"/>
+                  <a:pt x="1176498" y="175345"/>
+                  <a:pt x="1697597" y="306418"/>
+                </a:cubicBezTo>
+                <a:cubicBezTo>
+                  <a:pt x="3312474" y="712392"/>
+                  <a:pt x="3742395" y="1999786"/>
+                  <a:pt x="4047822" y="3511272"/>
+                </a:cubicBezTo>
+                <a:cubicBezTo>
+                  <a:pt x="4252232" y="4523358"/>
+                  <a:pt x="4422733" y="5443193"/>
+                  <a:pt x="3551503" y="6184235"/>
+                </a:cubicBezTo>
+                <a:cubicBezTo>
+                  <a:pt x="3429343" y="6288166"/>
+                  <a:pt x="3299185" y="6378784"/>
+                  <a:pt x="3163159" y="6459073"/>
+                </a:cubicBezTo>
+                <a:lnTo>
+                  <a:pt x="3092077" y="6498740"/>
                 </a:lnTo>
                 <a:lnTo>
-                  <a:pt x="12198352" y="5644414"/>
+                  <a:pt x="0" y="6498740"/>
                 </a:lnTo>
                 <a:lnTo>
-                  <a:pt x="12042486" y="5750064"/>
-                </a:lnTo>
-                <a:cubicBezTo>
-                  <a:pt x="11268689" y="6237466"/>
-                  <a:pt x="10357585" y="6417714"/>
-                  <a:pt x="9483672" y="6432438"/>
-                </a:cubicBezTo>
-                <a:cubicBezTo>
-                  <a:pt x="9158751" y="6438062"/>
-                  <a:pt x="8830819" y="6440385"/>
-                  <a:pt x="8500895" y="6437925"/>
-                </a:cubicBezTo>
-                <a:cubicBezTo>
-                  <a:pt x="6191416" y="6420695"/>
-                  <a:pt x="3784289" y="6168856"/>
-                  <a:pt x="1629409" y="5170893"/>
-                </a:cubicBezTo>
-                <a:cubicBezTo>
-                  <a:pt x="1229906" y="4985892"/>
-                  <a:pt x="831404" y="4807078"/>
-                  <a:pt x="433424" y="4633819"/>
-                </a:cubicBezTo>
-                <a:lnTo>
-                  <a:pt x="0" y="4450771"/>
+                  <a:pt x="0" y="0"/>
                 </a:lnTo>
                 <a:close/>
               </a:path>
@@ -7895,9 +7804,7 @@
           </a:fontRef>
         </p:style>
         <p:txBody>
-          <a:bodyPr wrap="square" rtlCol="0" anchor="ctr">
-            <a:noAutofit/>
-          </a:bodyPr>
+          <a:bodyPr rtlCol="0" anchor="ctr"/>
           <a:lstStyle/>
           <a:p>
             <a:pPr algn="ctr"/>
@@ -7912,10 +7819,10 @@
       </p:sp>
       <p:sp>
         <p:nvSpPr>
-          <p:cNvPr id="13" name="Freeform: Shape 12">
+          <p:cNvPr id="22" name="Freeform: Shape 21">
             <a:extLst>
               <a:ext uri="{FF2B5EF4-FFF2-40B4-BE49-F238E27FC236}">
-                <a16:creationId xmlns:a16="http://schemas.microsoft.com/office/drawing/2014/main" id="{6A9C92F4-A4A4-42E0-9391-C666AAED1E6A}"/>
+                <a16:creationId xmlns:a16="http://schemas.microsoft.com/office/drawing/2014/main" id="{BFE67A51-A6D2-4F56-B718-2BF4AD24E756}"/>
               </a:ext>
               <a:ext uri="{C183D7F6-B498-43B3-948B-1728B52AA6E4}">
                 <adec:decorative xmlns:adec="http://schemas.microsoft.com/office/drawing/2017/decorative" val="1"/>
@@ -7934,95 +7841,87 @@
           </p:nvPr>
         </p:nvSpPr>
         <p:spPr>
-          <a:xfrm rot="13817925">
-            <a:off x="2322363" y="-118377"/>
-            <a:ext cx="7900749" cy="9821966"/>
+          <a:xfrm>
+            <a:off x="0" y="1523999"/>
+            <a:ext cx="4095749" cy="5334001"/>
           </a:xfrm>
           <a:custGeom>
             <a:avLst/>
             <a:gdLst>
-              <a:gd name="connsiteX0" fmla="*/ 589029 w 7858893"/>
-              <a:gd name="connsiteY0" fmla="*/ 9827096 h 9827096"/>
-              <a:gd name="connsiteX1" fmla="*/ 0 w 7858893"/>
-              <a:gd name="connsiteY1" fmla="*/ 9338053 h 9827096"/>
-              <a:gd name="connsiteX2" fmla="*/ 50440 w 7858893"/>
-              <a:gd name="connsiteY2" fmla="*/ 9011561 h 9827096"/>
-              <a:gd name="connsiteX3" fmla="*/ 398242 w 7858893"/>
-              <a:gd name="connsiteY3" fmla="*/ 7620242 h 9827096"/>
-              <a:gd name="connsiteX4" fmla="*/ 6756719 w 7858893"/>
-              <a:gd name="connsiteY4" fmla="*/ 593416 h 9827096"/>
-              <a:gd name="connsiteX5" fmla="*/ 7642630 w 7858893"/>
-              <a:gd name="connsiteY5" fmla="*/ 111525 h 9827096"/>
-              <a:gd name="connsiteX6" fmla="*/ 7858893 w 7858893"/>
-              <a:gd name="connsiteY6" fmla="*/ 0 h 9827096"/>
-              <a:gd name="connsiteX0" fmla="*/ 589029 w 8190490"/>
-              <a:gd name="connsiteY0" fmla="*/ 9787128 h 9787128"/>
-              <a:gd name="connsiteX1" fmla="*/ 0 w 8190490"/>
-              <a:gd name="connsiteY1" fmla="*/ 9298085 h 9787128"/>
-              <a:gd name="connsiteX2" fmla="*/ 50440 w 8190490"/>
-              <a:gd name="connsiteY2" fmla="*/ 8971593 h 9787128"/>
-              <a:gd name="connsiteX3" fmla="*/ 398242 w 8190490"/>
-              <a:gd name="connsiteY3" fmla="*/ 7580274 h 9787128"/>
-              <a:gd name="connsiteX4" fmla="*/ 6756719 w 8190490"/>
-              <a:gd name="connsiteY4" fmla="*/ 553448 h 9787128"/>
-              <a:gd name="connsiteX5" fmla="*/ 7642630 w 8190490"/>
-              <a:gd name="connsiteY5" fmla="*/ 71557 h 9787128"/>
-              <a:gd name="connsiteX6" fmla="*/ 8190490 w 8190490"/>
-              <a:gd name="connsiteY6" fmla="*/ 0 h 9787128"/>
-              <a:gd name="connsiteX7" fmla="*/ 589029 w 8190490"/>
-              <a:gd name="connsiteY7" fmla="*/ 9787128 h 9787128"/>
-              <a:gd name="connsiteX0" fmla="*/ 589029 w 8281930"/>
-              <a:gd name="connsiteY0" fmla="*/ 9722690 h 9722690"/>
-              <a:gd name="connsiteX1" fmla="*/ 0 w 8281930"/>
-              <a:gd name="connsiteY1" fmla="*/ 9233647 h 9722690"/>
-              <a:gd name="connsiteX2" fmla="*/ 50440 w 8281930"/>
-              <a:gd name="connsiteY2" fmla="*/ 8907155 h 9722690"/>
-              <a:gd name="connsiteX3" fmla="*/ 398242 w 8281930"/>
-              <a:gd name="connsiteY3" fmla="*/ 7515836 h 9722690"/>
-              <a:gd name="connsiteX4" fmla="*/ 6756719 w 8281930"/>
-              <a:gd name="connsiteY4" fmla="*/ 489010 h 9722690"/>
-              <a:gd name="connsiteX5" fmla="*/ 7642630 w 8281930"/>
-              <a:gd name="connsiteY5" fmla="*/ 7119 h 9722690"/>
-              <a:gd name="connsiteX6" fmla="*/ 8281930 w 8281930"/>
-              <a:gd name="connsiteY6" fmla="*/ 27002 h 9722690"/>
-              <a:gd name="connsiteX0" fmla="*/ 589029 w 7911958"/>
-              <a:gd name="connsiteY0" fmla="*/ 9802819 h 9802819"/>
-              <a:gd name="connsiteX1" fmla="*/ 0 w 7911958"/>
-              <a:gd name="connsiteY1" fmla="*/ 9313776 h 9802819"/>
-              <a:gd name="connsiteX2" fmla="*/ 50440 w 7911958"/>
-              <a:gd name="connsiteY2" fmla="*/ 8987284 h 9802819"/>
-              <a:gd name="connsiteX3" fmla="*/ 398242 w 7911958"/>
-              <a:gd name="connsiteY3" fmla="*/ 7595965 h 9802819"/>
-              <a:gd name="connsiteX4" fmla="*/ 6756719 w 7911958"/>
-              <a:gd name="connsiteY4" fmla="*/ 569139 h 9802819"/>
-              <a:gd name="connsiteX5" fmla="*/ 7642630 w 7911958"/>
-              <a:gd name="connsiteY5" fmla="*/ 87248 h 9802819"/>
-              <a:gd name="connsiteX6" fmla="*/ 7911958 w 7911958"/>
-              <a:gd name="connsiteY6" fmla="*/ 0 h 9802819"/>
-              <a:gd name="connsiteX0" fmla="*/ 589029 w 7642630"/>
-              <a:gd name="connsiteY0" fmla="*/ 9715571 h 9715571"/>
-              <a:gd name="connsiteX1" fmla="*/ 0 w 7642630"/>
-              <a:gd name="connsiteY1" fmla="*/ 9226528 h 9715571"/>
-              <a:gd name="connsiteX2" fmla="*/ 50440 w 7642630"/>
-              <a:gd name="connsiteY2" fmla="*/ 8900036 h 9715571"/>
-              <a:gd name="connsiteX3" fmla="*/ 398242 w 7642630"/>
-              <a:gd name="connsiteY3" fmla="*/ 7508717 h 9715571"/>
-              <a:gd name="connsiteX4" fmla="*/ 6756719 w 7642630"/>
-              <a:gd name="connsiteY4" fmla="*/ 481891 h 9715571"/>
-              <a:gd name="connsiteX5" fmla="*/ 7642630 w 7642630"/>
-              <a:gd name="connsiteY5" fmla="*/ 0 h 9715571"/>
-              <a:gd name="connsiteX0" fmla="*/ 589029 w 7900749"/>
-              <a:gd name="connsiteY0" fmla="*/ 9821966 h 9821966"/>
-              <a:gd name="connsiteX1" fmla="*/ 0 w 7900749"/>
-              <a:gd name="connsiteY1" fmla="*/ 9332923 h 9821966"/>
-              <a:gd name="connsiteX2" fmla="*/ 50440 w 7900749"/>
-              <a:gd name="connsiteY2" fmla="*/ 9006431 h 9821966"/>
-              <a:gd name="connsiteX3" fmla="*/ 398242 w 7900749"/>
-              <a:gd name="connsiteY3" fmla="*/ 7615112 h 9821966"/>
-              <a:gd name="connsiteX4" fmla="*/ 6756719 w 7900749"/>
-              <a:gd name="connsiteY4" fmla="*/ 588286 h 9821966"/>
-              <a:gd name="connsiteX5" fmla="*/ 7900749 w 7900749"/>
-              <a:gd name="connsiteY5" fmla="*/ 0 h 9821966"/>
+              <a:gd name="connsiteX0" fmla="*/ 0 w 4033589"/>
+              <a:gd name="connsiteY0" fmla="*/ 0 h 6858000"/>
+              <a:gd name="connsiteX1" fmla="*/ 1878934 w 4033589"/>
+              <a:gd name="connsiteY1" fmla="*/ 0 h 6858000"/>
+              <a:gd name="connsiteX2" fmla="*/ 1882313 w 4033589"/>
+              <a:gd name="connsiteY2" fmla="*/ 2021 h 6858000"/>
+              <a:gd name="connsiteX3" fmla="*/ 3475371 w 4033589"/>
+              <a:gd name="connsiteY3" fmla="*/ 1517967 h 6858000"/>
+              <a:gd name="connsiteX4" fmla="*/ 3975977 w 4033589"/>
+              <a:gd name="connsiteY4" fmla="*/ 4379386 h 6858000"/>
+              <a:gd name="connsiteX5" fmla="*/ 3312864 w 4033589"/>
+              <a:gd name="connsiteY5" fmla="*/ 6852362 h 6858000"/>
+              <a:gd name="connsiteX6" fmla="*/ 3310593 w 4033589"/>
+              <a:gd name="connsiteY6" fmla="*/ 6858000 h 6858000"/>
+              <a:gd name="connsiteX7" fmla="*/ 0 w 4033589"/>
+              <a:gd name="connsiteY7" fmla="*/ 6858000 h 6858000"/>
+              <a:gd name="connsiteX8" fmla="*/ 0 w 4033589"/>
+              <a:gd name="connsiteY8" fmla="*/ 0 h 6858000"/>
+              <a:gd name="connsiteX0" fmla="*/ 0 w 4033589"/>
+              <a:gd name="connsiteY0" fmla="*/ 6858000 h 6858000"/>
+              <a:gd name="connsiteX1" fmla="*/ 1878934 w 4033589"/>
+              <a:gd name="connsiteY1" fmla="*/ 0 h 6858000"/>
+              <a:gd name="connsiteX2" fmla="*/ 1882313 w 4033589"/>
+              <a:gd name="connsiteY2" fmla="*/ 2021 h 6858000"/>
+              <a:gd name="connsiteX3" fmla="*/ 3475371 w 4033589"/>
+              <a:gd name="connsiteY3" fmla="*/ 1517967 h 6858000"/>
+              <a:gd name="connsiteX4" fmla="*/ 3975977 w 4033589"/>
+              <a:gd name="connsiteY4" fmla="*/ 4379386 h 6858000"/>
+              <a:gd name="connsiteX5" fmla="*/ 3312864 w 4033589"/>
+              <a:gd name="connsiteY5" fmla="*/ 6852362 h 6858000"/>
+              <a:gd name="connsiteX6" fmla="*/ 3310593 w 4033589"/>
+              <a:gd name="connsiteY6" fmla="*/ 6858000 h 6858000"/>
+              <a:gd name="connsiteX7" fmla="*/ 0 w 4033589"/>
+              <a:gd name="connsiteY7" fmla="*/ 6858000 h 6858000"/>
+              <a:gd name="connsiteX0" fmla="*/ 1787494 w 3942149"/>
+              <a:gd name="connsiteY0" fmla="*/ 0 h 6949440"/>
+              <a:gd name="connsiteX1" fmla="*/ 1790873 w 3942149"/>
+              <a:gd name="connsiteY1" fmla="*/ 2021 h 6949440"/>
+              <a:gd name="connsiteX2" fmla="*/ 3383931 w 3942149"/>
+              <a:gd name="connsiteY2" fmla="*/ 1517967 h 6949440"/>
+              <a:gd name="connsiteX3" fmla="*/ 3884537 w 3942149"/>
+              <a:gd name="connsiteY3" fmla="*/ 4379386 h 6949440"/>
+              <a:gd name="connsiteX4" fmla="*/ 3221424 w 3942149"/>
+              <a:gd name="connsiteY4" fmla="*/ 6852362 h 6949440"/>
+              <a:gd name="connsiteX5" fmla="*/ 3219153 w 3942149"/>
+              <a:gd name="connsiteY5" fmla="*/ 6858000 h 6949440"/>
+              <a:gd name="connsiteX6" fmla="*/ 0 w 3942149"/>
+              <a:gd name="connsiteY6" fmla="*/ 6949440 h 6949440"/>
+              <a:gd name="connsiteX0" fmla="*/ 1787494 w 3942149"/>
+              <a:gd name="connsiteY0" fmla="*/ 0 h 6949440"/>
+              <a:gd name="connsiteX1" fmla="*/ 1790873 w 3942149"/>
+              <a:gd name="connsiteY1" fmla="*/ 2021 h 6949440"/>
+              <a:gd name="connsiteX2" fmla="*/ 3383931 w 3942149"/>
+              <a:gd name="connsiteY2" fmla="*/ 1517967 h 6949440"/>
+              <a:gd name="connsiteX3" fmla="*/ 3884537 w 3942149"/>
+              <a:gd name="connsiteY3" fmla="*/ 4379386 h 6949440"/>
+              <a:gd name="connsiteX4" fmla="*/ 3221424 w 3942149"/>
+              <a:gd name="connsiteY4" fmla="*/ 6852362 h 6949440"/>
+              <a:gd name="connsiteX5" fmla="*/ 3219153 w 3942149"/>
+              <a:gd name="connsiteY5" fmla="*/ 6858000 h 6949440"/>
+              <a:gd name="connsiteX6" fmla="*/ 0 w 3942149"/>
+              <a:gd name="connsiteY6" fmla="*/ 6949440 h 6949440"/>
+              <a:gd name="connsiteX0" fmla="*/ 0 w 2154655"/>
+              <a:gd name="connsiteY0" fmla="*/ 0 h 6858000"/>
+              <a:gd name="connsiteX1" fmla="*/ 3379 w 2154655"/>
+              <a:gd name="connsiteY1" fmla="*/ 2021 h 6858000"/>
+              <a:gd name="connsiteX2" fmla="*/ 1596437 w 2154655"/>
+              <a:gd name="connsiteY2" fmla="*/ 1517967 h 6858000"/>
+              <a:gd name="connsiteX3" fmla="*/ 2097043 w 2154655"/>
+              <a:gd name="connsiteY3" fmla="*/ 4379386 h 6858000"/>
+              <a:gd name="connsiteX4" fmla="*/ 1433930 w 2154655"/>
+              <a:gd name="connsiteY4" fmla="*/ 6852362 h 6858000"/>
+              <a:gd name="connsiteX5" fmla="*/ 1431659 w 2154655"/>
+              <a:gd name="connsiteY5" fmla="*/ 6858000 h 6858000"/>
             </a:gdLst>
             <a:ahLst/>
             <a:cxnLst>
@@ -8047,41 +7946,38 @@
             </a:cxnLst>
             <a:rect l="l" t="t" r="r" b="b"/>
             <a:pathLst>
-              <a:path w="7900749" h="9821966">
+              <a:path w="2154655" h="6858000">
                 <a:moveTo>
-                  <a:pt x="589029" y="9821966"/>
+                  <a:pt x="0" y="0"/>
                 </a:moveTo>
                 <a:lnTo>
-                  <a:pt x="0" y="9332923"/>
-                </a:lnTo>
-                <a:lnTo>
-                  <a:pt x="50440" y="9006431"/>
+                  <a:pt x="3379" y="2021"/>
                 </a:lnTo>
                 <a:cubicBezTo>
-                  <a:pt x="119970" y="8604142"/>
-                  <a:pt x="221982" y="8158814"/>
-                  <a:pt x="398242" y="7615112"/>
+                  <a:pt x="667061" y="423753"/>
+                  <a:pt x="1239365" y="963389"/>
+                  <a:pt x="1596437" y="1517967"/>
                 </a:cubicBezTo>
                 <a:cubicBezTo>
-                  <a:pt x="1372817" y="4608865"/>
-                  <a:pt x="3887952" y="2237199"/>
-                  <a:pt x="6756719" y="588286"/>
+                  <a:pt x="2133142" y="2350886"/>
+                  <a:pt x="2239839" y="3395752"/>
+                  <a:pt x="2097043" y="4379386"/>
                 </a:cubicBezTo>
                 <a:cubicBezTo>
-                  <a:pt x="6992735" y="452730"/>
-                  <a:pt x="7549593" y="182994"/>
-                  <a:pt x="7900749" y="0"/>
+                  <a:pt x="2032295" y="4824358"/>
+                  <a:pt x="1812506" y="5869368"/>
+                  <a:pt x="1433930" y="6852362"/>
                 </a:cubicBezTo>
+                <a:lnTo>
+                  <a:pt x="1431659" y="6858000"/>
+                </a:lnTo>
               </a:path>
             </a:pathLst>
           </a:custGeom>
           <a:noFill/>
           <a:ln w="19050">
             <a:solidFill>
-              <a:schemeClr val="accent2">
-                <a:lumMod val="60000"/>
-                <a:lumOff val="40000"/>
-              </a:schemeClr>
+              <a:srgbClr val="F1CB9C"/>
             </a:solidFill>
           </a:ln>
         </p:spPr>
@@ -8102,9 +7998,7 @@
           </a:fontRef>
         </p:style>
         <p:txBody>
-          <a:bodyPr wrap="square" rtlCol="0" anchor="ctr">
-            <a:noAutofit/>
-          </a:bodyPr>
+          <a:bodyPr rtlCol="0" anchor="ctr"/>
           <a:lstStyle/>
           <a:p>
             <a:pPr marL="0" marR="0" lvl="0" indent="0" algn="ctr" defTabSz="914400" rtl="0" eaLnBrk="1" fontAlgn="auto" latinLnBrk="0" hangingPunct="1">
@@ -8124,7 +8018,7 @@
               <a:tabLst/>
               <a:defRPr/>
             </a:pPr>
-            <a:endParaRPr kumimoji="0" lang="en-US" sz="1800" b="0" i="0" u="none" strike="noStrike" kern="1200" cap="none" spc="0" normalizeH="0" baseline="0" noProof="0" dirty="0">
+            <a:endParaRPr kumimoji="0" lang="en-US" sz="1800" b="0" i="0" u="none" strike="noStrike" kern="1200" cap="none" spc="0" normalizeH="0" baseline="0" noProof="0">
               <a:ln>
                 <a:noFill/>
               </a:ln>
@@ -8159,12 +8053,12 @@
         </p:nvSpPr>
         <p:spPr>
           <a:xfrm>
-            <a:off x="718751" y="762000"/>
-            <a:ext cx="3598808" cy="2286000"/>
+            <a:off x="718750" y="3034421"/>
+            <a:ext cx="3048001" cy="2286000"/>
           </a:xfrm>
         </p:spPr>
         <p:txBody>
-          <a:bodyPr anchor="t">
+          <a:bodyPr anchor="b">
             <a:normAutofit/>
           </a:bodyPr>
           <a:lstStyle/>
@@ -8201,14 +8095,14 @@
             <p:ph idx="1"/>
             <p:extLst>
               <p:ext uri="{D42A27DB-BD31-4B8C-83A1-F6EECF244321}">
-                <p14:modId xmlns:p14="http://schemas.microsoft.com/office/powerpoint/2010/main" val="1161072340"/>
+                <p14:modId xmlns:p14="http://schemas.microsoft.com/office/powerpoint/2010/main" val="2347790833"/>
               </p:ext>
             </p:extLst>
           </p:nvPr>
         </p:nvGraphicFramePr>
         <p:xfrm>
-          <a:off x="4572000" y="771726"/>
-          <a:ext cx="6858000" cy="4562274"/>
+          <a:off x="5334000" y="762000"/>
+          <a:ext cx="6096000" cy="5334000"/>
         </p:xfrm>
         <a:graphic>
           <a:graphicData uri="http://schemas.openxmlformats.org/drawingml/2006/diagram">
@@ -8226,13 +8120,13 @@
   <p:clrMapOvr>
     <a:masterClrMapping/>
   </p:clrMapOvr>
-  <mc:AlternateContent xmlns:mc="http://schemas.openxmlformats.org/markup-compatibility/2006">
-    <mc:Choice xmlns:p14="http://schemas.microsoft.com/office/powerpoint/2010/main" Requires="p14">
+  <mc:AlternateContent xmlns:mc="http://schemas.openxmlformats.org/markup-compatibility/2006" xmlns:p14="http://schemas.microsoft.com/office/powerpoint/2010/main">
+    <mc:Choice Requires="p14">
       <p:transition p14:dur="100">
         <p:cut/>
       </p:transition>
     </mc:Choice>
-    <mc:Fallback>
+    <mc:Fallback xmlns="">
       <p:transition>
         <p:cut/>
       </p:transition>
@@ -8340,13 +8234,13 @@
   <p:clrMapOvr>
     <a:masterClrMapping/>
   </p:clrMapOvr>
-  <mc:AlternateContent xmlns:mc="http://schemas.openxmlformats.org/markup-compatibility/2006">
-    <mc:Choice xmlns:p14="http://schemas.microsoft.com/office/powerpoint/2010/main" Requires="p14">
+  <mc:AlternateContent xmlns:mc="http://schemas.openxmlformats.org/markup-compatibility/2006" xmlns:p14="http://schemas.microsoft.com/office/powerpoint/2010/main">
+    <mc:Choice Requires="p14">
       <p:transition spd="slow" p14:dur="3400">
         <p14:reveal/>
       </p:transition>
     </mc:Choice>
-    <mc:Fallback>
+    <mc:Fallback xmlns="">
       <p:transition spd="slow">
         <p:fade/>
       </p:transition>
@@ -8377,7 +8271,7 @@
           <p:cNvPr id="2" name="Title 1">
             <a:extLst>
               <a:ext uri="{FF2B5EF4-FFF2-40B4-BE49-F238E27FC236}">
-                <a16:creationId xmlns:a16="http://schemas.microsoft.com/office/drawing/2014/main" id="{DB91892D-F4D2-C172-CE9D-1A75BBBF1879}"/>
+                <a16:creationId xmlns:a16="http://schemas.microsoft.com/office/drawing/2014/main" id="{B26086C8-2B7B-A847-ACDC-27197DB24D48}"/>
               </a:ext>
             </a:extLst>
           </p:cNvPr>
@@ -8390,7 +8284,7 @@
         </p:nvSpPr>
         <p:spPr>
           <a:xfrm>
-            <a:off x="762000" y="644076"/>
+            <a:off x="762000" y="255430"/>
             <a:ext cx="10668000" cy="1524000"/>
           </a:xfrm>
         </p:spPr>
@@ -8398,30 +8292,9 @@
           <a:bodyPr/>
           <a:lstStyle/>
           <a:p>
-            <a:pPr algn="ctr"/>
             <a:r>
-              <a:rPr lang="en-US" sz="4400" kern="1200" dirty="0" err="1">
-                <a:latin typeface="+mj-lt"/>
-                <a:ea typeface="+mj-ea"/>
-                <a:cs typeface="+mj-cs"/>
-              </a:rPr>
-              <a:t>Блокова</a:t>
-            </a:r>
-            <a:r>
-              <a:rPr lang="en-US" sz="4400" kern="1200" dirty="0">
-                <a:latin typeface="+mj-lt"/>
-                <a:ea typeface="+mj-ea"/>
-                <a:cs typeface="+mj-cs"/>
-              </a:rPr>
-              <a:t> </a:t>
-            </a:r>
-            <a:r>
-              <a:rPr lang="en-US" sz="4400" kern="1200" dirty="0" err="1">
-                <a:latin typeface="+mj-lt"/>
-                <a:ea typeface="+mj-ea"/>
-                <a:cs typeface="+mj-cs"/>
-              </a:rPr>
-              <a:t>схема</a:t>
+              <a:rPr lang="bg-BG" dirty="0"/>
+              <a:t>Списък със съставни части</a:t>
             </a:r>
             <a:endParaRPr lang="en-US" dirty="0"/>
           </a:p>
@@ -8429,10 +8302,10 @@
       </p:sp>
       <p:sp>
         <p:nvSpPr>
-          <p:cNvPr id="5" name="Rectangle 4">
+          <p:cNvPr id="6" name="Rectangle 5">
             <a:extLst>
               <a:ext uri="{FF2B5EF4-FFF2-40B4-BE49-F238E27FC236}">
-                <a16:creationId xmlns:a16="http://schemas.microsoft.com/office/drawing/2014/main" id="{2C47E255-5982-0CBB-1CAD-BC7214542969}"/>
+                <a16:creationId xmlns:a16="http://schemas.microsoft.com/office/drawing/2014/main" id="{B2472148-1AEA-3D8B-2AAE-AF16A00A18AB}"/>
               </a:ext>
             </a:extLst>
           </p:cNvPr>
@@ -8441,8 +8314,8 @@
         </p:nvSpPr>
         <p:spPr>
           <a:xfrm>
-            <a:off x="1981200" y="2050152"/>
-            <a:ext cx="7904480" cy="4045848"/>
+            <a:off x="431797" y="1464816"/>
+            <a:ext cx="11511280" cy="4918229"/>
           </a:xfrm>
           <a:prstGeom prst="rect">
             <a:avLst/>
@@ -8485,10 +8358,10 @@
       </p:sp>
       <p:pic>
         <p:nvPicPr>
-          <p:cNvPr id="4" name="Content Placeholder 4">
+          <p:cNvPr id="5" name="Content Placeholder 4">
             <a:extLst>
               <a:ext uri="{FF2B5EF4-FFF2-40B4-BE49-F238E27FC236}">
-                <a16:creationId xmlns:a16="http://schemas.microsoft.com/office/drawing/2014/main" id="{02515AE9-92E6-1EC1-483E-755466E48BA1}"/>
+                <a16:creationId xmlns:a16="http://schemas.microsoft.com/office/drawing/2014/main" id="{B28E902A-19E8-9E55-D0C2-BEAF56458F28}"/>
               </a:ext>
             </a:extLst>
           </p:cNvPr>
@@ -8499,34 +8372,41 @@
             <p:ph idx="1"/>
           </p:nvPr>
         </p:nvPicPr>
-        <p:blipFill rotWithShape="1">
+        <p:blipFill>
           <a:blip r:embed="rId2"/>
-          <a:srcRect l="7511" r="4824"/>
-          <a:stretch/>
+          <a:stretch>
+            <a:fillRect/>
+          </a:stretch>
         </p:blipFill>
         <p:spPr>
           <a:xfrm>
-            <a:off x="2380890" y="2286000"/>
-            <a:ext cx="7105099" cy="3578487"/>
+            <a:off x="558995" y="1615736"/>
+            <a:ext cx="11256884" cy="4616388"/>
           </a:xfrm>
-          <a:prstGeom prst="rect">
-            <a:avLst/>
-          </a:prstGeom>
         </p:spPr>
       </p:pic>
     </p:spTree>
     <p:extLst>
       <p:ext uri="{BB962C8B-B14F-4D97-AF65-F5344CB8AC3E}">
-        <p14:creationId xmlns:p14="http://schemas.microsoft.com/office/powerpoint/2010/main" val="4288194515"/>
+        <p14:creationId xmlns:p14="http://schemas.microsoft.com/office/powerpoint/2010/main" val="1629875729"/>
       </p:ext>
     </p:extLst>
   </p:cSld>
   <p:clrMapOvr>
     <a:masterClrMapping/>
   </p:clrMapOvr>
-  <p:transition spd="slow">
-    <p:cover/>
-  </p:transition>
+  <mc:AlternateContent xmlns:mc="http://schemas.openxmlformats.org/markup-compatibility/2006" xmlns:p159="http://schemas.microsoft.com/office/powerpoint/2015/09/main">
+    <mc:Choice Requires="p159">
+      <p:transition xmlns:p14="http://schemas.microsoft.com/office/powerpoint/2010/main" spd="slow" p14:dur="2000">
+        <p159:morph option="byObject"/>
+      </p:transition>
+    </mc:Choice>
+    <mc:Fallback xmlns="">
+      <p:transition spd="slow">
+        <p:fade/>
+      </p:transition>
+    </mc:Fallback>
+  </mc:AlternateContent>
 </p:sld>
 </file>
 
@@ -8552,7 +8432,7 @@
           <p:cNvPr id="2" name="Title 1">
             <a:extLst>
               <a:ext uri="{FF2B5EF4-FFF2-40B4-BE49-F238E27FC236}">
-                <a16:creationId xmlns:a16="http://schemas.microsoft.com/office/drawing/2014/main" id="{76B7AB06-0697-7065-4DC9-71B1FB3B05F7}"/>
+                <a16:creationId xmlns:a16="http://schemas.microsoft.com/office/drawing/2014/main" id="{DB91892D-F4D2-C172-CE9D-1A75BBBF1879}"/>
               </a:ext>
             </a:extLst>
           </p:cNvPr>
@@ -8565,18 +8445,37 @@
         </p:nvSpPr>
         <p:spPr>
           <a:xfrm>
-            <a:off x="762000" y="192204"/>
-            <a:ext cx="10668000" cy="1524000"/>
+            <a:off x="762000" y="133163"/>
+            <a:ext cx="10668000" cy="1498061"/>
           </a:xfrm>
         </p:spPr>
         <p:txBody>
           <a:bodyPr/>
           <a:lstStyle/>
           <a:p>
-            <a:pPr algn="ctr"/>
             <a:r>
-              <a:rPr lang="bg-BG" dirty="0"/>
-              <a:t>Електрическа схема</a:t>
+              <a:rPr lang="en-US" sz="4400" kern="1200" dirty="0" err="1">
+                <a:latin typeface="+mj-lt"/>
+                <a:ea typeface="+mj-ea"/>
+                <a:cs typeface="+mj-cs"/>
+              </a:rPr>
+              <a:t>Блокова</a:t>
+            </a:r>
+            <a:r>
+              <a:rPr lang="en-US" sz="4400" kern="1200" dirty="0">
+                <a:latin typeface="+mj-lt"/>
+                <a:ea typeface="+mj-ea"/>
+                <a:cs typeface="+mj-cs"/>
+              </a:rPr>
+              <a:t> </a:t>
+            </a:r>
+            <a:r>
+              <a:rPr lang="en-US" sz="4400" kern="1200" dirty="0" err="1">
+                <a:latin typeface="+mj-lt"/>
+                <a:ea typeface="+mj-ea"/>
+                <a:cs typeface="+mj-cs"/>
+              </a:rPr>
+              <a:t>схема</a:t>
             </a:r>
             <a:endParaRPr lang="en-US" dirty="0"/>
           </a:p>
@@ -8584,10 +8483,10 @@
       </p:sp>
       <p:sp>
         <p:nvSpPr>
-          <p:cNvPr id="6" name="Rectangle 5">
+          <p:cNvPr id="5" name="Rectangle 4">
             <a:extLst>
               <a:ext uri="{FF2B5EF4-FFF2-40B4-BE49-F238E27FC236}">
-                <a16:creationId xmlns:a16="http://schemas.microsoft.com/office/drawing/2014/main" id="{6D1515FF-17AA-6D5D-92C1-4CBF67DE74E5}"/>
+                <a16:creationId xmlns:a16="http://schemas.microsoft.com/office/drawing/2014/main" id="{2C47E255-5982-0CBB-1CAD-BC7214542969}"/>
               </a:ext>
             </a:extLst>
           </p:cNvPr>
@@ -8596,8 +8495,8 @@
         </p:nvSpPr>
         <p:spPr>
           <a:xfrm>
-            <a:off x="1681479" y="1463039"/>
-            <a:ext cx="8829040" cy="4622800"/>
+            <a:off x="550417" y="1358283"/>
+            <a:ext cx="11105964" cy="5157927"/>
           </a:xfrm>
           <a:prstGeom prst="rect">
             <a:avLst/>
@@ -8640,10 +8539,10 @@
       </p:sp>
       <p:pic>
         <p:nvPicPr>
-          <p:cNvPr id="5" name="Content Placeholder 4">
+          <p:cNvPr id="4" name="Content Placeholder 4">
             <a:extLst>
               <a:ext uri="{FF2B5EF4-FFF2-40B4-BE49-F238E27FC236}">
-                <a16:creationId xmlns:a16="http://schemas.microsoft.com/office/drawing/2014/main" id="{589E7F73-FA2A-0905-D992-0BD3DF447A02}"/>
+                <a16:creationId xmlns:a16="http://schemas.microsoft.com/office/drawing/2014/main" id="{02515AE9-92E6-1EC1-483E-755466E48BA1}"/>
               </a:ext>
             </a:extLst>
           </p:cNvPr>
@@ -8654,46 +8553,34 @@
             <p:ph idx="1"/>
           </p:nvPr>
         </p:nvPicPr>
-        <p:blipFill>
+        <p:blipFill rotWithShape="1">
           <a:blip r:embed="rId2"/>
-          <a:stretch>
-            <a:fillRect/>
-          </a:stretch>
+          <a:srcRect l="7511" r="4824"/>
+          <a:stretch/>
         </p:blipFill>
         <p:spPr>
           <a:xfrm>
-            <a:off x="2380576" y="1726925"/>
-            <a:ext cx="7430847" cy="4095029"/>
+            <a:off x="762000" y="1447059"/>
+            <a:ext cx="10565907" cy="4927107"/>
           </a:xfrm>
-          <a:solidFill>
-            <a:schemeClr val="accent3">
-              <a:lumMod val="75000"/>
-            </a:schemeClr>
-          </a:solidFill>
+          <a:prstGeom prst="rect">
+            <a:avLst/>
+          </a:prstGeom>
         </p:spPr>
       </p:pic>
     </p:spTree>
     <p:extLst>
       <p:ext uri="{BB962C8B-B14F-4D97-AF65-F5344CB8AC3E}">
-        <p14:creationId xmlns:p14="http://schemas.microsoft.com/office/powerpoint/2010/main" val="2935561949"/>
+        <p14:creationId xmlns:p14="http://schemas.microsoft.com/office/powerpoint/2010/main" val="4288194515"/>
       </p:ext>
     </p:extLst>
   </p:cSld>
   <p:clrMapOvr>
     <a:masterClrMapping/>
   </p:clrMapOvr>
-  <mc:AlternateContent xmlns:mc="http://schemas.openxmlformats.org/markup-compatibility/2006">
-    <mc:Choice xmlns:p14="http://schemas.microsoft.com/office/powerpoint/2010/main" Requires="p14">
-      <p:transition spd="slow" p14:dur="1600">
-        <p14:gallery dir="l"/>
-      </p:transition>
-    </mc:Choice>
-    <mc:Fallback>
-      <p:transition spd="slow">
-        <p:fade/>
-      </p:transition>
-    </mc:Fallback>
-  </mc:AlternateContent>
+  <p:transition spd="slow">
+    <p:cover/>
+  </p:transition>
 </p:sld>
 </file>
 
@@ -8719,7 +8606,7 @@
           <p:cNvPr id="2" name="Title 1">
             <a:extLst>
               <a:ext uri="{FF2B5EF4-FFF2-40B4-BE49-F238E27FC236}">
-                <a16:creationId xmlns:a16="http://schemas.microsoft.com/office/drawing/2014/main" id="{B26086C8-2B7B-A847-ACDC-27197DB24D48}"/>
+                <a16:creationId xmlns:a16="http://schemas.microsoft.com/office/drawing/2014/main" id="{76B7AB06-0697-7065-4DC9-71B1FB3B05F7}"/>
               </a:ext>
             </a:extLst>
           </p:cNvPr>
@@ -8732,7 +8619,7 @@
         </p:nvSpPr>
         <p:spPr>
           <a:xfrm>
-            <a:off x="762000" y="255430"/>
+            <a:off x="761999" y="70982"/>
             <a:ext cx="10668000" cy="1524000"/>
           </a:xfrm>
         </p:spPr>
@@ -8740,10 +8627,9 @@
           <a:bodyPr/>
           <a:lstStyle/>
           <a:p>
-            <a:pPr algn="ctr"/>
             <a:r>
               <a:rPr lang="bg-BG" dirty="0"/>
-              <a:t>Списък със съставни части</a:t>
+              <a:t>Електрическа схема</a:t>
             </a:r>
             <a:endParaRPr lang="en-US" dirty="0"/>
           </a:p>
@@ -8754,7 +8640,7 @@
           <p:cNvPr id="6" name="Rectangle 5">
             <a:extLst>
               <a:ext uri="{FF2B5EF4-FFF2-40B4-BE49-F238E27FC236}">
-                <a16:creationId xmlns:a16="http://schemas.microsoft.com/office/drawing/2014/main" id="{B2472148-1AEA-3D8B-2AAE-AF16A00A18AB}"/>
+                <a16:creationId xmlns:a16="http://schemas.microsoft.com/office/drawing/2014/main" id="{6D1515FF-17AA-6D5D-92C1-4CBF67DE74E5}"/>
               </a:ext>
             </a:extLst>
           </p:cNvPr>
@@ -8763,8 +8649,8 @@
         </p:nvSpPr>
         <p:spPr>
           <a:xfrm>
-            <a:off x="431797" y="1716009"/>
-            <a:ext cx="11511280" cy="4395470"/>
+            <a:off x="762000" y="1278384"/>
+            <a:ext cx="10956524" cy="5140171"/>
           </a:xfrm>
           <a:prstGeom prst="rect">
             <a:avLst/>
@@ -8810,7 +8696,7 @@
           <p:cNvPr id="5" name="Content Placeholder 4">
             <a:extLst>
               <a:ext uri="{FF2B5EF4-FFF2-40B4-BE49-F238E27FC236}">
-                <a16:creationId xmlns:a16="http://schemas.microsoft.com/office/drawing/2014/main" id="{B28E902A-19E8-9E55-D0C2-BEAF56458F28}"/>
+                <a16:creationId xmlns:a16="http://schemas.microsoft.com/office/drawing/2014/main" id="{589E7F73-FA2A-0905-D992-0BD3DF447A02}"/>
               </a:ext>
             </a:extLst>
           </p:cNvPr>
@@ -8829,28 +8715,33 @@
         </p:blipFill>
         <p:spPr>
           <a:xfrm>
-            <a:off x="713511" y="1842849"/>
-            <a:ext cx="10947851" cy="4141789"/>
+            <a:off x="949170" y="1367163"/>
+            <a:ext cx="10582183" cy="4909350"/>
           </a:xfrm>
+          <a:solidFill>
+            <a:schemeClr val="accent3">
+              <a:lumMod val="75000"/>
+            </a:schemeClr>
+          </a:solidFill>
         </p:spPr>
       </p:pic>
     </p:spTree>
     <p:extLst>
       <p:ext uri="{BB962C8B-B14F-4D97-AF65-F5344CB8AC3E}">
-        <p14:creationId xmlns:p14="http://schemas.microsoft.com/office/powerpoint/2010/main" val="1629875729"/>
+        <p14:creationId xmlns:p14="http://schemas.microsoft.com/office/powerpoint/2010/main" val="2935561949"/>
       </p:ext>
     </p:extLst>
   </p:cSld>
   <p:clrMapOvr>
     <a:masterClrMapping/>
   </p:clrMapOvr>
-  <mc:AlternateContent xmlns:mc="http://schemas.openxmlformats.org/markup-compatibility/2006">
-    <mc:Choice xmlns:p159="http://schemas.microsoft.com/office/powerpoint/2015/09/main" Requires="p159">
-      <p:transition xmlns:p14="http://schemas.microsoft.com/office/powerpoint/2010/main" spd="slow" p14:dur="2000">
-        <p159:morph option="byObject"/>
+  <mc:AlternateContent xmlns:mc="http://schemas.openxmlformats.org/markup-compatibility/2006" xmlns:p14="http://schemas.microsoft.com/office/powerpoint/2010/main">
+    <mc:Choice Requires="p14">
+      <p:transition spd="slow" p14:dur="1600">
+        <p14:gallery dir="l"/>
       </p:transition>
     </mc:Choice>
-    <mc:Fallback>
+    <mc:Fallback xmlns="">
       <p:transition spd="slow">
         <p:fade/>
       </p:transition>
@@ -9736,13 +9627,13 @@
   <p:clrMapOvr>
     <a:masterClrMapping/>
   </p:clrMapOvr>
-  <mc:AlternateContent xmlns:mc="http://schemas.openxmlformats.org/markup-compatibility/2006">
-    <mc:Choice xmlns:p14="http://schemas.microsoft.com/office/powerpoint/2010/main" Requires="p14">
+  <mc:AlternateContent xmlns:mc="http://schemas.openxmlformats.org/markup-compatibility/2006" xmlns:p14="http://schemas.microsoft.com/office/powerpoint/2010/main">
+    <mc:Choice Requires="p14">
       <p:transition spd="slow" p14:dur="4400">
         <p14:honeycomb/>
       </p:transition>
     </mc:Choice>
-    <mc:Fallback>
+    <mc:Fallback xmlns="">
       <p:transition spd="slow">
         <p:fade/>
       </p:transition>
@@ -9950,13 +9841,13 @@
   <p:clrMapOvr>
     <a:masterClrMapping/>
   </p:clrMapOvr>
-  <mc:AlternateContent xmlns:mc="http://schemas.openxmlformats.org/markup-compatibility/2006">
-    <mc:Choice xmlns:p14="http://schemas.microsoft.com/office/powerpoint/2010/main" Requires="p14">
+  <mc:AlternateContent xmlns:mc="http://schemas.openxmlformats.org/markup-compatibility/2006" xmlns:p14="http://schemas.microsoft.com/office/powerpoint/2010/main">
+    <mc:Choice Requires="p14">
       <p:transition spd="slow" p14:dur="1200">
         <p:dissolve/>
       </p:transition>
     </mc:Choice>
-    <mc:Fallback>
+    <mc:Fallback xmlns="">
       <p:transition spd="slow">
         <p:dissolve/>
       </p:transition>
@@ -10051,13 +9942,13 @@
   <p:clrMapOvr>
     <a:masterClrMapping/>
   </p:clrMapOvr>
-  <mc:AlternateContent xmlns:mc="http://schemas.openxmlformats.org/markup-compatibility/2006">
-    <mc:Choice xmlns:p14="http://schemas.microsoft.com/office/powerpoint/2010/main" Requires="p14">
+  <mc:AlternateContent xmlns:mc="http://schemas.openxmlformats.org/markup-compatibility/2006" xmlns:p14="http://schemas.microsoft.com/office/powerpoint/2010/main">
+    <mc:Choice Requires="p14">
       <p:transition spd="slow" p14:dur="3400">
         <p14:reveal/>
       </p:transition>
     </mc:Choice>
-    <mc:Fallback>
+    <mc:Fallback xmlns="">
       <p:transition spd="slow">
         <p:fade/>
       </p:transition>
